--- a/최종과제/최종발표_ppt.pptx
+++ b/최종과제/최종발표_ppt.pptx
@@ -5,7 +5,7 @@
     <p:sldMasterId id="2147483648" r:id="rId1"/>
   </p:sldMasterIdLst>
   <p:notesMasterIdLst>
-    <p:notesMasterId r:id="rId17"/>
+    <p:notesMasterId r:id="rId18"/>
   </p:notesMasterIdLst>
   <p:sldIdLst>
     <p:sldId id="256" r:id="rId2"/>
@@ -14,15 +14,16 @@
     <p:sldId id="292" r:id="rId5"/>
     <p:sldId id="281" r:id="rId6"/>
     <p:sldId id="293" r:id="rId7"/>
-    <p:sldId id="294" r:id="rId8"/>
-    <p:sldId id="291" r:id="rId9"/>
-    <p:sldId id="285" r:id="rId10"/>
-    <p:sldId id="287" r:id="rId11"/>
-    <p:sldId id="288" r:id="rId12"/>
-    <p:sldId id="289" r:id="rId13"/>
-    <p:sldId id="282" r:id="rId14"/>
-    <p:sldId id="290" r:id="rId15"/>
-    <p:sldId id="262" r:id="rId16"/>
+    <p:sldId id="296" r:id="rId8"/>
+    <p:sldId id="294" r:id="rId9"/>
+    <p:sldId id="291" r:id="rId10"/>
+    <p:sldId id="285" r:id="rId11"/>
+    <p:sldId id="287" r:id="rId12"/>
+    <p:sldId id="288" r:id="rId13"/>
+    <p:sldId id="289" r:id="rId14"/>
+    <p:sldId id="282" r:id="rId15"/>
+    <p:sldId id="290" r:id="rId16"/>
+    <p:sldId id="262" r:id="rId17"/>
   </p:sldIdLst>
   <p:sldSz cx="12192000" cy="6858000"/>
   <p:notesSz cx="6858000" cy="9144000"/>
@@ -562,6 +563,93 @@
 </p:notes>
 </file>
 
+<file path=ppt/notesSlides/notesSlide10.xml><?xml version="1.0" encoding="utf-8"?>
+<p:notes xmlns:a="http://schemas.openxmlformats.org/drawingml/2006/main" xmlns:r="http://schemas.openxmlformats.org/officeDocument/2006/relationships" xmlns:p="http://schemas.openxmlformats.org/presentationml/2006/main">
+  <p:cSld>
+    <p:spTree>
+      <p:nvGrpSpPr>
+        <p:cNvPr id="1" name=""/>
+        <p:cNvGrpSpPr/>
+        <p:nvPr/>
+      </p:nvGrpSpPr>
+      <p:grpSpPr>
+        <a:xfrm>
+          <a:off x="0" y="0"/>
+          <a:ext cx="0" cy="0"/>
+          <a:chOff x="0" y="0"/>
+          <a:chExt cx="0" cy="0"/>
+        </a:xfrm>
+      </p:grpSpPr>
+      <p:sp>
+        <p:nvSpPr>
+          <p:cNvPr id="2" name="슬라이드 이미지 개체 틀 1"/>
+          <p:cNvSpPr>
+            <a:spLocks noGrp="1" noRot="1" noChangeAspect="1"/>
+          </p:cNvSpPr>
+          <p:nvPr>
+            <p:ph type="sldImg"/>
+          </p:nvPr>
+        </p:nvSpPr>
+        <p:spPr/>
+      </p:sp>
+      <p:sp>
+        <p:nvSpPr>
+          <p:cNvPr id="3" name="슬라이드 노트 개체 틀 2"/>
+          <p:cNvSpPr>
+            <a:spLocks noGrp="1"/>
+          </p:cNvSpPr>
+          <p:nvPr>
+            <p:ph type="body" idx="1"/>
+          </p:nvPr>
+        </p:nvSpPr>
+        <p:spPr/>
+        <p:txBody>
+          <a:bodyPr/>
+          <a:lstStyle/>
+          <a:p>
+            <a:pPr marL="0" indent="0">
+              <a:buNone/>
+            </a:pPr>
+            <a:endParaRPr lang="ko-KR" altLang="en-US" dirty="0"/>
+          </a:p>
+        </p:txBody>
+      </p:sp>
+      <p:sp>
+        <p:nvSpPr>
+          <p:cNvPr id="4" name="슬라이드 번호 개체 틀 3"/>
+          <p:cNvSpPr>
+            <a:spLocks noGrp="1"/>
+          </p:cNvSpPr>
+          <p:nvPr>
+            <p:ph type="sldNum" sz="quarter" idx="5"/>
+          </p:nvPr>
+        </p:nvSpPr>
+        <p:spPr/>
+        <p:txBody>
+          <a:bodyPr/>
+          <a:lstStyle/>
+          <a:p>
+            <a:fld id="{48780B63-280A-4D04-99B3-0CB6860DF00A}" type="slidenum">
+              <a:rPr lang="ko-KR" altLang="en-US" smtClean="0"/>
+              <a:t>15</a:t>
+            </a:fld>
+            <a:endParaRPr lang="ko-KR" altLang="en-US"/>
+          </a:p>
+        </p:txBody>
+      </p:sp>
+    </p:spTree>
+    <p:extLst>
+      <p:ext uri="{BB962C8B-B14F-4D97-AF65-F5344CB8AC3E}">
+        <p14:creationId xmlns:p14="http://schemas.microsoft.com/office/powerpoint/2010/main" val="3123490902"/>
+      </p:ext>
+    </p:extLst>
+  </p:cSld>
+  <p:clrMapOvr>
+    <a:masterClrMapping/>
+  </p:clrMapOvr>
+</p:notes>
+</file>
+
 <file path=ppt/notesSlides/notesSlide2.xml><?xml version="1.0" encoding="utf-8"?>
 <p:notes xmlns:a="http://schemas.openxmlformats.org/drawingml/2006/main" xmlns:r="http://schemas.openxmlformats.org/officeDocument/2006/relationships" xmlns:p="http://schemas.openxmlformats.org/presentationml/2006/main">
   <p:cSld>
@@ -932,70 +1020,6 @@
             </a:r>
             <a:r>
               <a:rPr lang="en-US" altLang="ko-KR" dirty="0"/>
-              <a:t>. </a:t>
-            </a:r>
-            <a:r>
-              <a:rPr lang="ko-KR" altLang="en-US" dirty="0"/>
-              <a:t>플레이 중 화면에 장애물과 동물 우리가 나타납니다</a:t>
-            </a:r>
-            <a:r>
-              <a:rPr lang="en-US" altLang="ko-KR" dirty="0"/>
-              <a:t>. </a:t>
-            </a:r>
-            <a:r>
-              <a:rPr lang="ko-KR" altLang="en-US" dirty="0"/>
-              <a:t>장애물은 특정 능력치 이상을 가져야 부시고 지나갈 수 있으며</a:t>
-            </a:r>
-            <a:r>
-              <a:rPr lang="en-US" altLang="ko-KR" dirty="0"/>
-              <a:t>, </a:t>
-            </a:r>
-            <a:r>
-              <a:rPr lang="ko-KR" altLang="en-US" dirty="0"/>
-              <a:t>그렇지 못하면 게임이 끝납니다</a:t>
-            </a:r>
-            <a:r>
-              <a:rPr lang="en-US" altLang="ko-KR" dirty="0"/>
-              <a:t>. </a:t>
-            </a:r>
-            <a:r>
-              <a:rPr lang="ko-KR" altLang="en-US" dirty="0"/>
-              <a:t>우리를 부시면 그 우리 안에 든 동물을 세이브할 수 있습니다</a:t>
-            </a:r>
-            <a:r>
-              <a:rPr lang="en-US" altLang="ko-KR" dirty="0"/>
-              <a:t>. </a:t>
-            </a:r>
-            <a:r>
-              <a:rPr lang="ko-KR" altLang="en-US" dirty="0"/>
-              <a:t>이러한 게임의 목적은 </a:t>
-            </a:r>
-            <a:r>
-              <a:rPr lang="en-US" altLang="ko-KR" dirty="0"/>
-              <a:t>'</a:t>
-            </a:r>
-            <a:r>
-              <a:rPr lang="ko-KR" altLang="en-US" dirty="0"/>
-              <a:t>전략적으로 동물을 선택하여 얼마나 </a:t>
-            </a:r>
-            <a:r>
-              <a:rPr lang="ko-KR" altLang="en-US" dirty="0" err="1"/>
-              <a:t>맵을</a:t>
-            </a:r>
-            <a:r>
-              <a:rPr lang="ko-KR" altLang="en-US" dirty="0"/>
-              <a:t> 오래 달리냐</a:t>
-            </a:r>
-            <a:r>
-              <a:rPr lang="en-US" altLang="ko-KR" dirty="0"/>
-              <a:t>' </a:t>
-            </a:r>
-            <a:r>
-              <a:rPr lang="ko-KR" altLang="en-US" dirty="0"/>
-              <a:t>입니다</a:t>
-            </a:r>
-            <a:r>
-              <a:rPr lang="en-US" altLang="ko-KR" dirty="0"/>
               <a:t>.</a:t>
             </a:r>
             <a:endParaRPr lang="ko-KR" altLang="en-US" dirty="0"/>
@@ -1028,7 +1052,7 @@
     </p:spTree>
     <p:extLst>
       <p:ext uri="{BB962C8B-B14F-4D97-AF65-F5344CB8AC3E}">
-        <p14:creationId xmlns:p14="http://schemas.microsoft.com/office/powerpoint/2010/main" val="764935608"/>
+        <p14:creationId xmlns:p14="http://schemas.microsoft.com/office/powerpoint/2010/main" val="2324687312"/>
       </p:ext>
     </p:extLst>
   </p:cSld>
@@ -1082,12 +1106,17 @@
           <a:bodyPr/>
           <a:lstStyle/>
           <a:p>
-            <a:pPr marL="0" indent="0">
-              <a:buNone/>
-            </a:pPr>
             <a:r>
               <a:rPr lang="ko-KR" altLang="en-US" dirty="0"/>
-              <a:t>첫 번째</a:t>
+              <a:t>플레이 중 화면에 장애물과 동물 우리가 나타납니다</a:t>
+            </a:r>
+            <a:r>
+              <a:rPr lang="en-US" altLang="ko-KR" dirty="0"/>
+              <a:t>. </a:t>
+            </a:r>
+            <a:r>
+              <a:rPr lang="ko-KR" altLang="en-US" dirty="0"/>
+              <a:t>장애물은 특정 능력치 이상을 가져야 부시고 지나갈 수 있으며</a:t>
             </a:r>
             <a:r>
               <a:rPr lang="en-US" altLang="ko-KR" dirty="0"/>
@@ -1095,19 +1124,31 @@
             </a:r>
             <a:r>
               <a:rPr lang="ko-KR" altLang="en-US" dirty="0"/>
-              <a:t>러닝 게임이라는 요소를 어떻게 표현할 것인가</a:t>
+              <a:t>그렇지 못하면 게임이 끝납니다</a:t>
             </a:r>
             <a:r>
               <a:rPr lang="en-US" altLang="ko-KR" dirty="0"/>
-              <a:t>? </a:t>
-            </a:r>
-            <a:r>
-              <a:rPr lang="ko-KR" altLang="en-US" dirty="0" err="1"/>
-              <a:t>런닝머신과</a:t>
+              <a:t>. </a:t>
             </a:r>
             <a:r>
               <a:rPr lang="ko-KR" altLang="en-US" dirty="0"/>
-              <a:t> 같이 바닥을 지속적으로 움직이게 하기 위해 컨베이어 벨트를 사용하자는 의견도 있었으나 </a:t>
+              <a:t>우리를 부시면 그 우리 안에 든 동물을 세이브할 수 있습니다</a:t>
+            </a:r>
+            <a:r>
+              <a:rPr lang="en-US" altLang="ko-KR" dirty="0"/>
+              <a:t>. </a:t>
+            </a:r>
+            <a:r>
+              <a:rPr lang="ko-KR" altLang="en-US" dirty="0"/>
+              <a:t>이러한 게임의 목적은 </a:t>
+            </a:r>
+            <a:r>
+              <a:rPr lang="en-US" altLang="ko-KR" dirty="0"/>
+              <a:t>'</a:t>
+            </a:r>
+            <a:r>
+              <a:rPr lang="ko-KR" altLang="en-US" dirty="0"/>
+              <a:t>전략적으로 동물을 선택하여 얼마나 </a:t>
             </a:r>
             <a:r>
               <a:rPr lang="ko-KR" altLang="en-US" dirty="0" err="1"/>
@@ -1115,19 +1156,19 @@
             </a:r>
             <a:r>
               <a:rPr lang="ko-KR" altLang="en-US" dirty="0"/>
-              <a:t> 구현하기에 무리가 있다고 판단되었습니다</a:t>
+              <a:t> 오래 달리냐</a:t>
             </a:r>
             <a:r>
               <a:rPr lang="en-US" altLang="ko-KR" dirty="0"/>
-              <a:t>. </a:t>
+              <a:t>' </a:t>
             </a:r>
             <a:r>
               <a:rPr lang="ko-KR" altLang="en-US" dirty="0"/>
-              <a:t>따라서 판을 일정 구역 나누어 구성하여 플레이를 하며 판을 교체할 수 있도록 하였습니다</a:t>
+              <a:t>입니다</a:t>
             </a:r>
             <a:r>
               <a:rPr lang="en-US" altLang="ko-KR" dirty="0"/>
-              <a:t>. </a:t>
+              <a:t>.</a:t>
             </a:r>
             <a:endParaRPr lang="ko-KR" altLang="en-US" dirty="0"/>
           </a:p>
@@ -1150,7 +1191,7 @@
           <a:p>
             <a:fld id="{48780B63-280A-4D04-99B3-0CB6860DF00A}" type="slidenum">
               <a:rPr lang="ko-KR" altLang="en-US" smtClean="0"/>
-              <a:t>9</a:t>
+              <a:t>8</a:t>
             </a:fld>
             <a:endParaRPr lang="ko-KR" altLang="en-US"/>
           </a:p>
@@ -1159,7 +1200,7 @@
     </p:spTree>
     <p:extLst>
       <p:ext uri="{BB962C8B-B14F-4D97-AF65-F5344CB8AC3E}">
-        <p14:creationId xmlns:p14="http://schemas.microsoft.com/office/powerpoint/2010/main" val="3991997380"/>
+        <p14:creationId xmlns:p14="http://schemas.microsoft.com/office/powerpoint/2010/main" val="764935608"/>
       </p:ext>
     </p:extLst>
   </p:cSld>
@@ -1218,7 +1259,7 @@
             </a:pPr>
             <a:r>
               <a:rPr lang="ko-KR" altLang="en-US" dirty="0"/>
-              <a:t>두 번째</a:t>
+              <a:t>첫 번째</a:t>
             </a:r>
             <a:r>
               <a:rPr lang="en-US" altLang="ko-KR" dirty="0"/>
@@ -1226,15 +1267,27 @@
             </a:r>
             <a:r>
               <a:rPr lang="ko-KR" altLang="en-US" dirty="0"/>
-              <a:t>보드게임에서는 모바일 게임 상으로 가능한 연속적인 움직임을 표현하는 것이 불가능하기 때문에</a:t>
+              <a:t>러닝 게임이라는 요소를 어떻게 표현할 것인가</a:t>
             </a:r>
             <a:r>
               <a:rPr lang="en-US" altLang="ko-KR" dirty="0"/>
-              <a:t>, </a:t>
+              <a:t>? </a:t>
+            </a:r>
+            <a:r>
+              <a:rPr lang="ko-KR" altLang="en-US" dirty="0" err="1"/>
+              <a:t>런닝머신과</a:t>
             </a:r>
             <a:r>
               <a:rPr lang="ko-KR" altLang="en-US" dirty="0"/>
-              <a:t>동물의 전진을 나타낼 수 있는 방법을 생각해보았습니다</a:t>
+              <a:t> 같이 바닥을 지속적으로 움직이게 하기 위해 컨베이어 벨트를 사용하자는 의견도 있었으나 </a:t>
+            </a:r>
+            <a:r>
+              <a:rPr lang="ko-KR" altLang="en-US" dirty="0" err="1"/>
+              <a:t>맵을</a:t>
+            </a:r>
+            <a:r>
+              <a:rPr lang="ko-KR" altLang="en-US" dirty="0"/>
+              <a:t> 구현하기에 무리가 있다고 판단되었습니다</a:t>
             </a:r>
             <a:r>
               <a:rPr lang="en-US" altLang="ko-KR" dirty="0"/>
@@ -1242,51 +1295,11 @@
             </a:r>
             <a:r>
               <a:rPr lang="ko-KR" altLang="en-US" dirty="0"/>
-              <a:t>저희는 바닥 판을 정사각형의 구역으로 나누어 이 한 칸이 한 번의 이동을 나타낸다고 정하였습니다</a:t>
+              <a:t>따라서 판을 일정 구역 나누어 구성하여 플레이를 하며 판을 교체할 수 있도록 하였습니다</a:t>
             </a:r>
             <a:r>
               <a:rPr lang="en-US" altLang="ko-KR" dirty="0"/>
               <a:t>. </a:t>
-            </a:r>
-            <a:r>
-              <a:rPr lang="ko-KR" altLang="en-US" dirty="0"/>
-              <a:t>동물에 따라 좌우로 </a:t>
-            </a:r>
-            <a:r>
-              <a:rPr lang="en-US" altLang="ko-KR" dirty="0"/>
-              <a:t>n</a:t>
-            </a:r>
-            <a:r>
-              <a:rPr lang="ko-KR" altLang="en-US" dirty="0"/>
-              <a:t>칸</a:t>
-            </a:r>
-            <a:r>
-              <a:rPr lang="en-US" altLang="ko-KR" dirty="0"/>
-              <a:t>, </a:t>
-            </a:r>
-            <a:r>
-              <a:rPr lang="ko-KR" altLang="en-US" dirty="0"/>
-              <a:t>앞으로 </a:t>
-            </a:r>
-            <a:r>
-              <a:rPr lang="en-US" altLang="ko-KR" dirty="0"/>
-              <a:t>n</a:t>
-            </a:r>
-            <a:r>
-              <a:rPr lang="ko-KR" altLang="en-US" dirty="0"/>
-              <a:t>칸 움직일 수 있는 횟수를 정하고 동물 카드에 기입하였습니다</a:t>
-            </a:r>
-            <a:r>
-              <a:rPr lang="en-US" altLang="ko-KR" dirty="0"/>
-              <a:t>. </a:t>
-            </a:r>
-            <a:r>
-              <a:rPr lang="ko-KR" altLang="en-US" dirty="0"/>
-              <a:t>장애물이나 구출 동물 우리는 이 한 칸의 정사각형 안에 배치하였습니다</a:t>
-            </a:r>
-            <a:r>
-              <a:rPr lang="en-US" altLang="ko-KR" dirty="0"/>
-              <a:t>.</a:t>
             </a:r>
             <a:endParaRPr lang="ko-KR" altLang="en-US" dirty="0"/>
           </a:p>
@@ -1318,7 +1331,7 @@
     </p:spTree>
     <p:extLst>
       <p:ext uri="{BB962C8B-B14F-4D97-AF65-F5344CB8AC3E}">
-        <p14:creationId xmlns:p14="http://schemas.microsoft.com/office/powerpoint/2010/main" val="1841025217"/>
+        <p14:creationId xmlns:p14="http://schemas.microsoft.com/office/powerpoint/2010/main" val="3991997380"/>
       </p:ext>
     </p:extLst>
   </p:cSld>
@@ -1377,7 +1390,7 @@
             </a:pPr>
             <a:r>
               <a:rPr lang="ko-KR" altLang="en-US" dirty="0"/>
-              <a:t>세 번째</a:t>
+              <a:t>두 번째</a:t>
             </a:r>
             <a:r>
               <a:rPr lang="en-US" altLang="ko-KR" dirty="0"/>
@@ -1385,7 +1398,15 @@
             </a:r>
             <a:r>
               <a:rPr lang="ko-KR" altLang="en-US" dirty="0"/>
-              <a:t>보드게임에서 캐릭터가 얼마나 오래 달리는지 판단하기에는 무리가 있기 때문에 체력 바를 도입하였습니다</a:t>
+              <a:t>보드게임에서는 모바일 게임 상으로 가능한 연속적인 움직임을 표현하는 것이 불가능하기 때문에</a:t>
+            </a:r>
+            <a:r>
+              <a:rPr lang="en-US" altLang="ko-KR" dirty="0"/>
+              <a:t>, </a:t>
+            </a:r>
+            <a:r>
+              <a:rPr lang="ko-KR" altLang="en-US" dirty="0"/>
+              <a:t>동물의 전진을 나타낼 수 있는 방법을 생각해보았습니다</a:t>
             </a:r>
             <a:r>
               <a:rPr lang="en-US" altLang="ko-KR" dirty="0"/>
@@ -1393,7 +1414,23 @@
             </a:r>
             <a:r>
               <a:rPr lang="ko-KR" altLang="en-US" dirty="0"/>
-              <a:t>각 장애물</a:t>
+              <a:t>저희는 바닥 판을 정사각형의 구역으로 나누어 이 한 칸이 한 번의 이동을 나타낸다고 정하였습니다</a:t>
+            </a:r>
+            <a:r>
+              <a:rPr lang="en-US" altLang="ko-KR" dirty="0"/>
+              <a:t>. </a:t>
+            </a:r>
+            <a:r>
+              <a:rPr lang="ko-KR" altLang="en-US" dirty="0"/>
+              <a:t>동물에 따라 좌우로 </a:t>
+            </a:r>
+            <a:r>
+              <a:rPr lang="en-US" altLang="ko-KR" dirty="0"/>
+              <a:t>n</a:t>
+            </a:r>
+            <a:r>
+              <a:rPr lang="ko-KR" altLang="en-US" dirty="0"/>
+              <a:t>칸</a:t>
             </a:r>
             <a:r>
               <a:rPr lang="en-US" altLang="ko-KR" dirty="0"/>
@@ -1401,51 +1438,23 @@
             </a:r>
             <a:r>
               <a:rPr lang="ko-KR" altLang="en-US" dirty="0"/>
-              <a:t>동물</a:t>
+              <a:t>앞으로 </a:t>
             </a:r>
             <a:r>
               <a:rPr lang="en-US" altLang="ko-KR" dirty="0"/>
-              <a:t>, </a:t>
-            </a:r>
-            <a:r>
-              <a:rPr lang="ko-KR" altLang="en-US" dirty="0" err="1"/>
-              <a:t>우리마다</a:t>
+              <a:t>n</a:t>
             </a:r>
             <a:r>
               <a:rPr lang="ko-KR" altLang="en-US" dirty="0"/>
-              <a:t> 체력 감소 점수를 설정하여 플레이 중 동물 교체</a:t>
+              <a:t>칸 움직일 수 있는 횟수를 정하고 동물 카드에 기입하였습니다</a:t>
             </a:r>
             <a:r>
               <a:rPr lang="en-US" altLang="ko-KR" dirty="0"/>
-              <a:t>, </a:t>
+              <a:t>. </a:t>
             </a:r>
             <a:r>
               <a:rPr lang="ko-KR" altLang="en-US" dirty="0"/>
-              <a:t>장애물과의 부딪힘</a:t>
-            </a:r>
-            <a:r>
-              <a:rPr lang="en-US" altLang="ko-KR" dirty="0"/>
-              <a:t>, </a:t>
-            </a:r>
-            <a:r>
-              <a:rPr lang="ko-KR" altLang="en-US" dirty="0"/>
-              <a:t>우리 부수기 등의 행동으로 체력이 닳도록 하고</a:t>
-            </a:r>
-            <a:r>
-              <a:rPr lang="en-US" altLang="ko-KR" dirty="0"/>
-              <a:t>, </a:t>
-            </a:r>
-            <a:r>
-              <a:rPr lang="ko-KR" altLang="en-US" dirty="0"/>
-              <a:t>체력 점수가 </a:t>
-            </a:r>
-            <a:r>
-              <a:rPr lang="en-US" altLang="ko-KR" dirty="0"/>
-              <a:t>0</a:t>
-            </a:r>
-            <a:r>
-              <a:rPr lang="ko-KR" altLang="en-US" dirty="0"/>
-              <a:t>에 도달하면 게임이 끝나도록 만들었습니다</a:t>
+              <a:t>장애물이나 구출 동물 우리는 이 한 칸의 정사각형 안에 배치하였습니다</a:t>
             </a:r>
             <a:r>
               <a:rPr lang="en-US" altLang="ko-KR" dirty="0"/>
@@ -1481,7 +1490,7 @@
     </p:spTree>
     <p:extLst>
       <p:ext uri="{BB962C8B-B14F-4D97-AF65-F5344CB8AC3E}">
-        <p14:creationId xmlns:p14="http://schemas.microsoft.com/office/powerpoint/2010/main" val="3856047629"/>
+        <p14:creationId xmlns:p14="http://schemas.microsoft.com/office/powerpoint/2010/main" val="1841025217"/>
       </p:ext>
     </p:extLst>
   </p:cSld>
@@ -1540,7 +1549,7 @@
             </a:pPr>
             <a:r>
               <a:rPr lang="ko-KR" altLang="en-US" dirty="0"/>
-              <a:t>네 번째</a:t>
+              <a:t>세 번째</a:t>
             </a:r>
             <a:r>
               <a:rPr lang="en-US" altLang="ko-KR" dirty="0"/>
@@ -1548,7 +1557,7 @@
             </a:r>
             <a:r>
               <a:rPr lang="ko-KR" altLang="en-US" dirty="0"/>
-              <a:t>점수 획득은 화폐를 이용하여 표현하였습니다</a:t>
+              <a:t>보드게임에서 캐릭터가 얼마나 오래 달리는지 판단하기에는 무리가 있기 때문에 체력 바를 도입하였습니다</a:t>
             </a:r>
             <a:r>
               <a:rPr lang="en-US" altLang="ko-KR" dirty="0"/>
@@ -1556,47 +1565,7 @@
             </a:r>
             <a:r>
               <a:rPr lang="ko-KR" altLang="en-US" dirty="0"/>
-              <a:t>장애물을 파괴하면 </a:t>
-            </a:r>
-            <a:r>
-              <a:rPr lang="en-US" altLang="ko-KR" dirty="0"/>
-              <a:t>10point</a:t>
-            </a:r>
-            <a:r>
-              <a:rPr lang="ko-KR" altLang="en-US" dirty="0"/>
-              <a:t>를 얻고 동물을 구출하면 </a:t>
-            </a:r>
-            <a:r>
-              <a:rPr lang="en-US" altLang="ko-KR" dirty="0"/>
-              <a:t>50</a:t>
-            </a:r>
-            <a:r>
-              <a:rPr lang="ko-KR" altLang="en-US" dirty="0"/>
-              <a:t>포인트를 얻습니다</a:t>
-            </a:r>
-            <a:r>
-              <a:rPr lang="en-US" altLang="ko-KR" dirty="0"/>
-              <a:t>. </a:t>
-            </a:r>
-            <a:r>
-              <a:rPr lang="ko-KR" altLang="en-US" dirty="0"/>
-              <a:t>또한 앞으로 일정 칸을 이동하면 점수를 주기도 합니다</a:t>
-            </a:r>
-            <a:r>
-              <a:rPr lang="en-US" altLang="ko-KR" dirty="0"/>
-              <a:t>. </a:t>
-            </a:r>
-            <a:r>
-              <a:rPr lang="ko-KR" altLang="en-US" dirty="0"/>
-              <a:t>예를 들어 플레이 중 동물 우리가 앞에 있을 때 구출할 것인지 말지를 선택할 수 있습니다</a:t>
-            </a:r>
-            <a:r>
-              <a:rPr lang="en-US" altLang="ko-KR" dirty="0"/>
-              <a:t>. </a:t>
-            </a:r>
-            <a:r>
-              <a:rPr lang="ko-KR" altLang="en-US" dirty="0"/>
-              <a:t>만약 구출한다면 구출 점수를 얻고</a:t>
+              <a:t>각 장애물</a:t>
             </a:r>
             <a:r>
               <a:rPr lang="en-US" altLang="ko-KR" dirty="0"/>
@@ -1604,31 +1573,19 @@
             </a:r>
             <a:r>
               <a:rPr lang="ko-KR" altLang="en-US" dirty="0"/>
-              <a:t>우리를 부순 행동으로 인해 체력이 닳게 됩니다</a:t>
-            </a:r>
-            <a:r>
-              <a:rPr lang="en-US" altLang="ko-KR" dirty="0"/>
-              <a:t>. </a:t>
-            </a:r>
-            <a:r>
-              <a:rPr lang="ko-KR" altLang="en-US" dirty="0"/>
-              <a:t>구출하지 않는다면 구출 점수를 못 얻지만</a:t>
+              <a:t>동물</a:t>
             </a:r>
             <a:r>
               <a:rPr lang="en-US" altLang="ko-KR" dirty="0"/>
               <a:t>, </a:t>
             </a:r>
             <a:r>
+              <a:rPr lang="ko-KR" altLang="en-US" dirty="0" err="1"/>
+              <a:t>우리마다</a:t>
+            </a:r>
+            <a:r>
               <a:rPr lang="ko-KR" altLang="en-US" dirty="0"/>
-              <a:t>체력을 아낄 수 있습니다</a:t>
-            </a:r>
-            <a:r>
-              <a:rPr lang="en-US" altLang="ko-KR" dirty="0"/>
-              <a:t>. </a:t>
-            </a:r>
-            <a:r>
-              <a:rPr lang="ko-KR" altLang="en-US" dirty="0"/>
-              <a:t>플레이어는 이와 같은 방식으로 전략을 짜서</a:t>
+              <a:t> 체력 감소 점수를 설정하여 플레이 중 동물 교체</a:t>
             </a:r>
             <a:r>
               <a:rPr lang="en-US" altLang="ko-KR" dirty="0"/>
@@ -1636,20 +1593,35 @@
             </a:r>
             <a:r>
               <a:rPr lang="ko-KR" altLang="en-US" dirty="0"/>
-              <a:t>상황에 따라 어떤 행동이 효과적일지를 판단할 수 있습니다</a:t>
+              <a:t>장애물과의 부딪힘</a:t>
+            </a:r>
+            <a:r>
+              <a:rPr lang="en-US" altLang="ko-KR" dirty="0"/>
+              <a:t>, </a:t>
+            </a:r>
+            <a:r>
+              <a:rPr lang="ko-KR" altLang="en-US" dirty="0"/>
+              <a:t>우리 부수기 등의 행동으로 체력이 닳도록 하고</a:t>
+            </a:r>
+            <a:r>
+              <a:rPr lang="en-US" altLang="ko-KR" dirty="0"/>
+              <a:t>, </a:t>
+            </a:r>
+            <a:r>
+              <a:rPr lang="ko-KR" altLang="en-US" dirty="0"/>
+              <a:t>체력 점수가 </a:t>
+            </a:r>
+            <a:r>
+              <a:rPr lang="en-US" altLang="ko-KR" dirty="0"/>
+              <a:t>0</a:t>
+            </a:r>
+            <a:r>
+              <a:rPr lang="ko-KR" altLang="en-US" dirty="0"/>
+              <a:t>에 도달하면 게임이 끝나도록 만들었습니다</a:t>
             </a:r>
             <a:r>
               <a:rPr lang="en-US" altLang="ko-KR" dirty="0"/>
               <a:t>.</a:t>
-            </a:r>
-          </a:p>
-          <a:p>
-            <a:pPr marL="0" indent="0">
-              <a:buNone/>
-            </a:pPr>
-            <a:r>
-              <a:rPr lang="en-US" altLang="ko-KR" dirty="0"/>
-              <a:t> </a:t>
             </a:r>
             <a:endParaRPr lang="ko-KR" altLang="en-US" dirty="0"/>
           </a:p>
@@ -1681,7 +1653,7 @@
     </p:spTree>
     <p:extLst>
       <p:ext uri="{BB962C8B-B14F-4D97-AF65-F5344CB8AC3E}">
-        <p14:creationId xmlns:p14="http://schemas.microsoft.com/office/powerpoint/2010/main" val="3760555268"/>
+        <p14:creationId xmlns:p14="http://schemas.microsoft.com/office/powerpoint/2010/main" val="3856047629"/>
       </p:ext>
     </p:extLst>
   </p:cSld>
@@ -1738,6 +1710,119 @@
             <a:pPr marL="0" indent="0">
               <a:buNone/>
             </a:pPr>
+            <a:r>
+              <a:rPr lang="ko-KR" altLang="en-US" dirty="0"/>
+              <a:t>네 번째</a:t>
+            </a:r>
+            <a:r>
+              <a:rPr lang="en-US" altLang="ko-KR" dirty="0"/>
+              <a:t>, </a:t>
+            </a:r>
+            <a:r>
+              <a:rPr lang="ko-KR" altLang="en-US" dirty="0"/>
+              <a:t>점수 획득은 화폐를 이용하여 표현하였습니다</a:t>
+            </a:r>
+            <a:r>
+              <a:rPr lang="en-US" altLang="ko-KR" dirty="0"/>
+              <a:t>. </a:t>
+            </a:r>
+            <a:r>
+              <a:rPr lang="ko-KR" altLang="en-US" dirty="0"/>
+              <a:t>장애물을 파괴하면 </a:t>
+            </a:r>
+            <a:r>
+              <a:rPr lang="en-US" altLang="ko-KR" dirty="0"/>
+              <a:t>10point</a:t>
+            </a:r>
+            <a:r>
+              <a:rPr lang="ko-KR" altLang="en-US" dirty="0"/>
+              <a:t>를 얻고 동물을 구출하면 </a:t>
+            </a:r>
+            <a:r>
+              <a:rPr lang="en-US" altLang="ko-KR" dirty="0"/>
+              <a:t>50</a:t>
+            </a:r>
+            <a:r>
+              <a:rPr lang="ko-KR" altLang="en-US" dirty="0"/>
+              <a:t>포인트를 얻습니다</a:t>
+            </a:r>
+            <a:r>
+              <a:rPr lang="en-US" altLang="ko-KR" dirty="0"/>
+              <a:t>. </a:t>
+            </a:r>
+            <a:r>
+              <a:rPr lang="ko-KR" altLang="en-US" dirty="0"/>
+              <a:t>또한 앞으로 일정 칸을 이동하면 점수를 주기도 합니다</a:t>
+            </a:r>
+            <a:r>
+              <a:rPr lang="en-US" altLang="ko-KR" dirty="0"/>
+              <a:t>. </a:t>
+            </a:r>
+            <a:r>
+              <a:rPr lang="ko-KR" altLang="en-US" dirty="0"/>
+              <a:t>예를 들어 플레이 중 동물 우리가 앞에 있을 때 구출할 것인지 말지를 선택할 수 있습니다</a:t>
+            </a:r>
+            <a:r>
+              <a:rPr lang="en-US" altLang="ko-KR" dirty="0"/>
+              <a:t>. </a:t>
+            </a:r>
+            <a:r>
+              <a:rPr lang="ko-KR" altLang="en-US" dirty="0"/>
+              <a:t>만약 구출한다면 구출 점수를 얻고</a:t>
+            </a:r>
+            <a:r>
+              <a:rPr lang="en-US" altLang="ko-KR" dirty="0"/>
+              <a:t>, </a:t>
+            </a:r>
+            <a:r>
+              <a:rPr lang="ko-KR" altLang="en-US" dirty="0"/>
+              <a:t>우리를 부순 행동으로 인해 체력이 닳게 됩니다</a:t>
+            </a:r>
+            <a:r>
+              <a:rPr lang="en-US" altLang="ko-KR" dirty="0"/>
+              <a:t>. </a:t>
+            </a:r>
+            <a:r>
+              <a:rPr lang="ko-KR" altLang="en-US" dirty="0"/>
+              <a:t>구출하지 않는다면 구출 점수를 못 얻지만</a:t>
+            </a:r>
+            <a:r>
+              <a:rPr lang="en-US" altLang="ko-KR" dirty="0"/>
+              <a:t>, </a:t>
+            </a:r>
+            <a:r>
+              <a:rPr lang="ko-KR" altLang="en-US" dirty="0"/>
+              <a:t>체력을 아낄 수 있습니다</a:t>
+            </a:r>
+            <a:r>
+              <a:rPr lang="en-US" altLang="ko-KR" dirty="0"/>
+              <a:t>. </a:t>
+            </a:r>
+            <a:r>
+              <a:rPr lang="ko-KR" altLang="en-US" dirty="0"/>
+              <a:t>플레이어는 이와 같은 방식으로 전략을 짜서</a:t>
+            </a:r>
+            <a:r>
+              <a:rPr lang="en-US" altLang="ko-KR" dirty="0"/>
+              <a:t>, </a:t>
+            </a:r>
+            <a:r>
+              <a:rPr lang="ko-KR" altLang="en-US" dirty="0"/>
+              <a:t>상황에 따라 어떤 행동이 효과적일지를 판단할 수 있습니다</a:t>
+            </a:r>
+            <a:r>
+              <a:rPr lang="en-US" altLang="ko-KR" dirty="0"/>
+              <a:t>.</a:t>
+            </a:r>
+          </a:p>
+          <a:p>
+            <a:pPr marL="0" indent="0">
+              <a:buNone/>
+            </a:pPr>
+            <a:r>
+              <a:rPr lang="en-US" altLang="ko-KR" dirty="0"/>
+              <a:t> </a:t>
+            </a:r>
             <a:endParaRPr lang="ko-KR" altLang="en-US" dirty="0"/>
           </a:p>
         </p:txBody>
@@ -1759,7 +1844,7 @@
           <a:p>
             <a:fld id="{48780B63-280A-4D04-99B3-0CB6860DF00A}" type="slidenum">
               <a:rPr lang="ko-KR" altLang="en-US" smtClean="0"/>
-              <a:t>14</a:t>
+              <a:t>13</a:t>
             </a:fld>
             <a:endParaRPr lang="ko-KR" altLang="en-US"/>
           </a:p>
@@ -1768,7 +1853,7 @@
     </p:spTree>
     <p:extLst>
       <p:ext uri="{BB962C8B-B14F-4D97-AF65-F5344CB8AC3E}">
-        <p14:creationId xmlns:p14="http://schemas.microsoft.com/office/powerpoint/2010/main" val="3123490902"/>
+        <p14:creationId xmlns:p14="http://schemas.microsoft.com/office/powerpoint/2010/main" val="3760555268"/>
       </p:ext>
     </p:extLst>
   </p:cSld>
@@ -5367,6 +5452,1778 @@
 </file>
 
 <file path=ppt/slides/slide10.xml><?xml version="1.0" encoding="utf-8"?>
+<p:sld xmlns:a="http://schemas.openxmlformats.org/drawingml/2006/main" xmlns:r="http://schemas.openxmlformats.org/officeDocument/2006/relationships" xmlns:p="http://schemas.openxmlformats.org/presentationml/2006/main">
+  <p:cSld>
+    <p:spTree>
+      <p:nvGrpSpPr>
+        <p:cNvPr id="1" name=""/>
+        <p:cNvGrpSpPr/>
+        <p:nvPr/>
+      </p:nvGrpSpPr>
+      <p:grpSpPr>
+        <a:xfrm>
+          <a:off x="0" y="0"/>
+          <a:ext cx="0" cy="0"/>
+          <a:chOff x="0" y="0"/>
+          <a:chExt cx="0" cy="0"/>
+        </a:xfrm>
+      </p:grpSpPr>
+      <p:sp>
+        <p:nvSpPr>
+          <p:cNvPr id="3" name="직사각형 2"/>
+          <p:cNvSpPr/>
+          <p:nvPr/>
+        </p:nvSpPr>
+        <p:spPr>
+          <a:xfrm>
+            <a:off x="0" y="0"/>
+            <a:ext cx="12192000" cy="6858000"/>
+          </a:xfrm>
+          <a:prstGeom prst="rect">
+            <a:avLst/>
+          </a:prstGeom>
+          <a:noFill/>
+          <a:ln w="76200">
+            <a:solidFill>
+              <a:srgbClr val="4CA7DE"/>
+            </a:solidFill>
+          </a:ln>
+        </p:spPr>
+        <p:style>
+          <a:lnRef idx="2">
+            <a:schemeClr val="accent1">
+              <a:shade val="50000"/>
+            </a:schemeClr>
+          </a:lnRef>
+          <a:fillRef idx="1">
+            <a:schemeClr val="accent1"/>
+          </a:fillRef>
+          <a:effectRef idx="0">
+            <a:schemeClr val="accent1"/>
+          </a:effectRef>
+          <a:fontRef idx="minor">
+            <a:schemeClr val="lt1"/>
+          </a:fontRef>
+        </p:style>
+        <p:txBody>
+          <a:bodyPr rtlCol="0" anchor="ctr"/>
+          <a:lstStyle/>
+          <a:p>
+            <a:pPr algn="ctr"/>
+            <a:endParaRPr lang="ko-KR" altLang="en-US"/>
+          </a:p>
+        </p:txBody>
+      </p:sp>
+      <p:sp>
+        <p:nvSpPr>
+          <p:cNvPr id="30" name="화살표: 오른쪽 29">
+            <a:extLst>
+              <a:ext uri="{FF2B5EF4-FFF2-40B4-BE49-F238E27FC236}">
+                <a16:creationId xmlns:a16="http://schemas.microsoft.com/office/drawing/2014/main" id="{D75DCB22-8191-428D-808C-4D06023E9C39}"/>
+              </a:ext>
+            </a:extLst>
+          </p:cNvPr>
+          <p:cNvSpPr/>
+          <p:nvPr/>
+        </p:nvSpPr>
+        <p:spPr>
+          <a:xfrm>
+            <a:off x="5238078" y="3429000"/>
+            <a:ext cx="1172066" cy="592494"/>
+          </a:xfrm>
+          <a:prstGeom prst="rightArrow">
+            <a:avLst/>
+          </a:prstGeom>
+          <a:solidFill>
+            <a:srgbClr val="4CA7DE"/>
+          </a:solidFill>
+          <a:ln>
+            <a:noFill/>
+          </a:ln>
+        </p:spPr>
+        <p:style>
+          <a:lnRef idx="2">
+            <a:schemeClr val="accent1">
+              <a:shade val="50000"/>
+            </a:schemeClr>
+          </a:lnRef>
+          <a:fillRef idx="1">
+            <a:schemeClr val="accent1"/>
+          </a:fillRef>
+          <a:effectRef idx="0">
+            <a:schemeClr val="accent1"/>
+          </a:effectRef>
+          <a:fontRef idx="minor">
+            <a:schemeClr val="lt1"/>
+          </a:fontRef>
+        </p:style>
+        <p:txBody>
+          <a:bodyPr rtlCol="0" anchor="ctr"/>
+          <a:lstStyle/>
+          <a:p>
+            <a:pPr algn="ctr"/>
+            <a:endParaRPr lang="ko-KR" altLang="en-US"/>
+          </a:p>
+        </p:txBody>
+      </p:sp>
+      <p:pic>
+        <p:nvPicPr>
+          <p:cNvPr id="45" name="그림 44"/>
+          <p:cNvPicPr>
+            <a:picLocks noChangeAspect="1"/>
+          </p:cNvPicPr>
+          <p:nvPr/>
+        </p:nvPicPr>
+        <p:blipFill>
+          <a:blip r:embed="rId3">
+            <a:extLst>
+              <a:ext uri="{28A0092B-C50C-407E-A947-70E740481C1C}">
+                <a14:useLocalDpi xmlns:a14="http://schemas.microsoft.com/office/drawing/2010/main" val="0"/>
+              </a:ext>
+            </a:extLst>
+          </a:blip>
+          <a:stretch>
+            <a:fillRect/>
+          </a:stretch>
+        </p:blipFill>
+        <p:spPr>
+          <a:xfrm>
+            <a:off x="10507598" y="29995"/>
+            <a:ext cx="1606023" cy="1185194"/>
+          </a:xfrm>
+          <a:prstGeom prst="rect">
+            <a:avLst/>
+          </a:prstGeom>
+        </p:spPr>
+      </p:pic>
+      <p:sp>
+        <p:nvSpPr>
+          <p:cNvPr id="20" name="직사각형 19">
+            <a:extLst>
+              <a:ext uri="{FF2B5EF4-FFF2-40B4-BE49-F238E27FC236}">
+                <a16:creationId xmlns:a16="http://schemas.microsoft.com/office/drawing/2014/main" id="{0DDF8D45-D191-4972-9629-5D0ABA05E118}"/>
+              </a:ext>
+            </a:extLst>
+          </p:cNvPr>
+          <p:cNvSpPr/>
+          <p:nvPr/>
+        </p:nvSpPr>
+        <p:spPr>
+          <a:xfrm>
+            <a:off x="469120" y="-29985"/>
+            <a:ext cx="2734180" cy="757989"/>
+          </a:xfrm>
+          <a:prstGeom prst="rect">
+            <a:avLst/>
+          </a:prstGeom>
+          <a:solidFill>
+            <a:srgbClr val="4CA7DE"/>
+          </a:solidFill>
+          <a:ln>
+            <a:noFill/>
+          </a:ln>
+        </p:spPr>
+        <p:style>
+          <a:lnRef idx="2">
+            <a:schemeClr val="accent1">
+              <a:shade val="50000"/>
+            </a:schemeClr>
+          </a:lnRef>
+          <a:fillRef idx="1">
+            <a:schemeClr val="accent1"/>
+          </a:fillRef>
+          <a:effectRef idx="0">
+            <a:schemeClr val="accent1"/>
+          </a:effectRef>
+          <a:fontRef idx="minor">
+            <a:schemeClr val="lt1"/>
+          </a:fontRef>
+        </p:style>
+        <p:txBody>
+          <a:bodyPr rtlCol="0" anchor="ctr"/>
+          <a:lstStyle/>
+          <a:p>
+            <a:pPr algn="ctr"/>
+            <a:endParaRPr lang="ko-KR" altLang="en-US"/>
+          </a:p>
+        </p:txBody>
+      </p:sp>
+      <p:grpSp>
+        <p:nvGrpSpPr>
+          <p:cNvPr id="21" name="그룹 20">
+            <a:extLst>
+              <a:ext uri="{FF2B5EF4-FFF2-40B4-BE49-F238E27FC236}">
+                <a16:creationId xmlns:a16="http://schemas.microsoft.com/office/drawing/2014/main" id="{EF50260B-DEBB-4C51-B089-32386050B120}"/>
+              </a:ext>
+            </a:extLst>
+          </p:cNvPr>
+          <p:cNvGrpSpPr/>
+          <p:nvPr/>
+        </p:nvGrpSpPr>
+        <p:grpSpPr>
+          <a:xfrm>
+            <a:off x="517249" y="72442"/>
+            <a:ext cx="3834355" cy="556902"/>
+            <a:chOff x="7996226" y="1139286"/>
+            <a:chExt cx="3834355" cy="556902"/>
+          </a:xfrm>
+        </p:grpSpPr>
+        <p:sp>
+          <p:nvSpPr>
+            <p:cNvPr id="22" name="TextBox 21">
+              <a:extLst>
+                <a:ext uri="{FF2B5EF4-FFF2-40B4-BE49-F238E27FC236}">
+                  <a16:creationId xmlns:a16="http://schemas.microsoft.com/office/drawing/2014/main" id="{8F0A19E0-6B46-4C15-80A4-A9DF179C498E}"/>
+                </a:ext>
+              </a:extLst>
+            </p:cNvPr>
+            <p:cNvSpPr txBox="1"/>
+            <p:nvPr/>
+          </p:nvSpPr>
+          <p:spPr>
+            <a:xfrm>
+              <a:off x="7996226" y="1139286"/>
+              <a:ext cx="2734179" cy="523220"/>
+            </a:xfrm>
+            <a:prstGeom prst="rect">
+              <a:avLst/>
+            </a:prstGeom>
+            <a:noFill/>
+          </p:spPr>
+          <p:txBody>
+            <a:bodyPr wrap="square" rtlCol="0">
+              <a:spAutoFit/>
+            </a:bodyPr>
+            <a:lstStyle/>
+            <a:p>
+              <a:r>
+                <a:rPr lang="en-US" altLang="ko-KR" sz="2800" dirty="0">
+                  <a:solidFill>
+                    <a:schemeClr val="bg1"/>
+                  </a:solidFill>
+                  <a:latin typeface="휴먼둥근헤드라인" panose="02030504000101010101" pitchFamily="18" charset="-127"/>
+                  <a:ea typeface="휴먼둥근헤드라인" panose="02030504000101010101" pitchFamily="18" charset="-127"/>
+                </a:rPr>
+                <a:t>03. </a:t>
+              </a:r>
+              <a:r>
+                <a:rPr lang="ko-KR" altLang="en-US" sz="2800" dirty="0">
+                  <a:solidFill>
+                    <a:schemeClr val="bg1"/>
+                  </a:solidFill>
+                  <a:latin typeface="휴먼둥근헤드라인" panose="02030504000101010101" pitchFamily="18" charset="-127"/>
+                  <a:ea typeface="휴먼둥근헤드라인" panose="02030504000101010101" pitchFamily="18" charset="-127"/>
+                </a:rPr>
+                <a:t>보드게임</a:t>
+              </a:r>
+            </a:p>
+          </p:txBody>
+        </p:sp>
+        <p:sp>
+          <p:nvSpPr>
+            <p:cNvPr id="23" name="TextBox 22">
+              <a:extLst>
+                <a:ext uri="{FF2B5EF4-FFF2-40B4-BE49-F238E27FC236}">
+                  <a16:creationId xmlns:a16="http://schemas.microsoft.com/office/drawing/2014/main" id="{809A7477-B593-425D-ABCD-9308DA63D4C1}"/>
+                </a:ext>
+              </a:extLst>
+            </p:cNvPr>
+            <p:cNvSpPr txBox="1"/>
+            <p:nvPr/>
+          </p:nvSpPr>
+          <p:spPr>
+            <a:xfrm>
+              <a:off x="10712967" y="1234523"/>
+              <a:ext cx="1117614" cy="461665"/>
+            </a:xfrm>
+            <a:prstGeom prst="rect">
+              <a:avLst/>
+            </a:prstGeom>
+            <a:noFill/>
+          </p:spPr>
+          <p:txBody>
+            <a:bodyPr wrap="none" rtlCol="0">
+              <a:spAutoFit/>
+            </a:bodyPr>
+            <a:lstStyle/>
+            <a:p>
+              <a:r>
+                <a:rPr lang="en-US" altLang="ko-KR" sz="2400" dirty="0">
+                  <a:solidFill>
+                    <a:schemeClr val="accent3"/>
+                  </a:solidFill>
+                  <a:latin typeface="휴먼둥근헤드라인" panose="02030504000101010101" pitchFamily="18" charset="-127"/>
+                  <a:ea typeface="휴먼둥근헤드라인" panose="02030504000101010101" pitchFamily="18" charset="-127"/>
+                </a:rPr>
+                <a:t>-</a:t>
+              </a:r>
+              <a:r>
+                <a:rPr lang="ko-KR" altLang="en-US" sz="2400" dirty="0">
+                  <a:solidFill>
+                    <a:schemeClr val="accent3"/>
+                  </a:solidFill>
+                  <a:latin typeface="휴먼둥근헤드라인" panose="02030504000101010101" pitchFamily="18" charset="-127"/>
+                  <a:ea typeface="휴먼둥근헤드라인" panose="02030504000101010101" pitchFamily="18" charset="-127"/>
+                </a:rPr>
+                <a:t> 관점</a:t>
+              </a:r>
+            </a:p>
+          </p:txBody>
+        </p:sp>
+      </p:grpSp>
+      <p:pic>
+        <p:nvPicPr>
+          <p:cNvPr id="13" name="그림 12">
+            <a:extLst>
+              <a:ext uri="{FF2B5EF4-FFF2-40B4-BE49-F238E27FC236}">
+                <a16:creationId xmlns:a16="http://schemas.microsoft.com/office/drawing/2014/main" id="{E2F3E463-C8E1-409D-A891-5FD684831101}"/>
+              </a:ext>
+            </a:extLst>
+          </p:cNvPr>
+          <p:cNvPicPr>
+            <a:picLocks noChangeAspect="1"/>
+          </p:cNvPicPr>
+          <p:nvPr/>
+        </p:nvPicPr>
+        <p:blipFill>
+          <a:blip r:embed="rId4">
+            <a:extLst>
+              <a:ext uri="{28A0092B-C50C-407E-A947-70E740481C1C}">
+                <a14:useLocalDpi xmlns:a14="http://schemas.microsoft.com/office/drawing/2010/main" val="0"/>
+              </a:ext>
+            </a:extLst>
+          </a:blip>
+          <a:stretch>
+            <a:fillRect/>
+          </a:stretch>
+        </p:blipFill>
+        <p:spPr>
+          <a:xfrm>
+            <a:off x="672767" y="1541122"/>
+            <a:ext cx="4243197" cy="4243197"/>
+          </a:xfrm>
+          <a:prstGeom prst="rect">
+            <a:avLst/>
+          </a:prstGeom>
+        </p:spPr>
+      </p:pic>
+      <p:sp>
+        <p:nvSpPr>
+          <p:cNvPr id="14" name="타원 13">
+            <a:extLst>
+              <a:ext uri="{FF2B5EF4-FFF2-40B4-BE49-F238E27FC236}">
+                <a16:creationId xmlns:a16="http://schemas.microsoft.com/office/drawing/2014/main" id="{47D38B01-38BB-48F7-B764-0064906F5773}"/>
+              </a:ext>
+            </a:extLst>
+          </p:cNvPr>
+          <p:cNvSpPr/>
+          <p:nvPr/>
+        </p:nvSpPr>
+        <p:spPr>
+          <a:xfrm>
+            <a:off x="1040129" y="4309731"/>
+            <a:ext cx="3600451" cy="1504573"/>
+          </a:xfrm>
+          <a:prstGeom prst="ellipse">
+            <a:avLst/>
+          </a:prstGeom>
+          <a:noFill/>
+          <a:ln w="76200">
+            <a:solidFill>
+              <a:srgbClr val="FF0000"/>
+            </a:solidFill>
+          </a:ln>
+        </p:spPr>
+        <p:style>
+          <a:lnRef idx="2">
+            <a:schemeClr val="accent1">
+              <a:shade val="50000"/>
+            </a:schemeClr>
+          </a:lnRef>
+          <a:fillRef idx="1">
+            <a:schemeClr val="accent1"/>
+          </a:fillRef>
+          <a:effectRef idx="0">
+            <a:schemeClr val="accent1"/>
+          </a:effectRef>
+          <a:fontRef idx="minor">
+            <a:schemeClr val="lt1"/>
+          </a:fontRef>
+        </p:style>
+        <p:txBody>
+          <a:bodyPr rtlCol="0" anchor="ctr"/>
+          <a:lstStyle/>
+          <a:p>
+            <a:pPr algn="ctr"/>
+            <a:endParaRPr lang="ko-KR" altLang="en-US" dirty="0"/>
+          </a:p>
+        </p:txBody>
+      </p:sp>
+      <p:grpSp>
+        <p:nvGrpSpPr>
+          <p:cNvPr id="64" name="그룹 63">
+            <a:extLst>
+              <a:ext uri="{FF2B5EF4-FFF2-40B4-BE49-F238E27FC236}">
+                <a16:creationId xmlns:a16="http://schemas.microsoft.com/office/drawing/2014/main" id="{A626CB29-4311-4E8F-894E-0C0A31DA2F9B}"/>
+              </a:ext>
+            </a:extLst>
+          </p:cNvPr>
+          <p:cNvGrpSpPr/>
+          <p:nvPr/>
+        </p:nvGrpSpPr>
+        <p:grpSpPr>
+          <a:xfrm rot="16200000">
+            <a:off x="7692831" y="3565488"/>
+            <a:ext cx="1887886" cy="1996961"/>
+            <a:chOff x="6868376" y="1639394"/>
+            <a:chExt cx="2913763" cy="2700000"/>
+          </a:xfrm>
+        </p:grpSpPr>
+        <p:sp>
+          <p:nvSpPr>
+            <p:cNvPr id="50" name="직사각형 49">
+              <a:extLst>
+                <a:ext uri="{FF2B5EF4-FFF2-40B4-BE49-F238E27FC236}">
+                  <a16:creationId xmlns:a16="http://schemas.microsoft.com/office/drawing/2014/main" id="{3D2B06E8-D182-4291-8581-2FA7379AC0C0}"/>
+                </a:ext>
+              </a:extLst>
+            </p:cNvPr>
+            <p:cNvSpPr/>
+            <p:nvPr/>
+          </p:nvSpPr>
+          <p:spPr>
+            <a:xfrm>
+              <a:off x="6868376" y="1639394"/>
+              <a:ext cx="2913761" cy="2700000"/>
+            </a:xfrm>
+            <a:prstGeom prst="rect">
+              <a:avLst/>
+            </a:prstGeom>
+            <a:solidFill>
+              <a:schemeClr val="accent6"/>
+            </a:solidFill>
+            <a:ln w="63500">
+              <a:solidFill>
+                <a:schemeClr val="accent6">
+                  <a:lumMod val="75000"/>
+                </a:schemeClr>
+              </a:solidFill>
+            </a:ln>
+          </p:spPr>
+          <p:style>
+            <a:lnRef idx="2">
+              <a:schemeClr val="accent1">
+                <a:shade val="50000"/>
+              </a:schemeClr>
+            </a:lnRef>
+            <a:fillRef idx="1">
+              <a:schemeClr val="accent1"/>
+            </a:fillRef>
+            <a:effectRef idx="0">
+              <a:schemeClr val="accent1"/>
+            </a:effectRef>
+            <a:fontRef idx="minor">
+              <a:schemeClr val="lt1"/>
+            </a:fontRef>
+          </p:style>
+          <p:txBody>
+            <a:bodyPr rtlCol="0" anchor="ctr"/>
+            <a:lstStyle/>
+            <a:p>
+              <a:pPr algn="ctr"/>
+              <a:endParaRPr lang="ko-KR" altLang="en-US" dirty="0"/>
+            </a:p>
+          </p:txBody>
+        </p:sp>
+        <p:cxnSp>
+          <p:nvCxnSpPr>
+            <p:cNvPr id="51" name="직선 연결선 50">
+              <a:extLst>
+                <a:ext uri="{FF2B5EF4-FFF2-40B4-BE49-F238E27FC236}">
+                  <a16:creationId xmlns:a16="http://schemas.microsoft.com/office/drawing/2014/main" id="{A3F9478A-6BBF-430D-B033-E0E0E6F2BB13}"/>
+                </a:ext>
+              </a:extLst>
+            </p:cNvPr>
+            <p:cNvCxnSpPr/>
+            <p:nvPr/>
+          </p:nvCxnSpPr>
+          <p:spPr>
+            <a:xfrm>
+              <a:off x="7598699" y="1639394"/>
+              <a:ext cx="0" cy="2700000"/>
+            </a:xfrm>
+            <a:prstGeom prst="line">
+              <a:avLst/>
+            </a:prstGeom>
+            <a:ln w="25400">
+              <a:solidFill>
+                <a:schemeClr val="accent6">
+                  <a:lumMod val="75000"/>
+                </a:schemeClr>
+              </a:solidFill>
+            </a:ln>
+          </p:spPr>
+          <p:style>
+            <a:lnRef idx="1">
+              <a:schemeClr val="accent1"/>
+            </a:lnRef>
+            <a:fillRef idx="0">
+              <a:schemeClr val="accent1"/>
+            </a:fillRef>
+            <a:effectRef idx="0">
+              <a:schemeClr val="accent1"/>
+            </a:effectRef>
+            <a:fontRef idx="minor">
+              <a:schemeClr val="tx1"/>
+            </a:fontRef>
+          </p:style>
+        </p:cxnSp>
+        <p:cxnSp>
+          <p:nvCxnSpPr>
+            <p:cNvPr id="52" name="직선 연결선 51">
+              <a:extLst>
+                <a:ext uri="{FF2B5EF4-FFF2-40B4-BE49-F238E27FC236}">
+                  <a16:creationId xmlns:a16="http://schemas.microsoft.com/office/drawing/2014/main" id="{137011A7-07FA-4E86-9511-D8593129103C}"/>
+                </a:ext>
+              </a:extLst>
+            </p:cNvPr>
+            <p:cNvCxnSpPr/>
+            <p:nvPr/>
+          </p:nvCxnSpPr>
+          <p:spPr>
+            <a:xfrm>
+              <a:off x="9077804" y="1639394"/>
+              <a:ext cx="0" cy="2700000"/>
+            </a:xfrm>
+            <a:prstGeom prst="line">
+              <a:avLst/>
+            </a:prstGeom>
+            <a:ln w="25400">
+              <a:solidFill>
+                <a:schemeClr val="accent6">
+                  <a:lumMod val="75000"/>
+                </a:schemeClr>
+              </a:solidFill>
+            </a:ln>
+          </p:spPr>
+          <p:style>
+            <a:lnRef idx="1">
+              <a:schemeClr val="accent1"/>
+            </a:lnRef>
+            <a:fillRef idx="0">
+              <a:schemeClr val="accent1"/>
+            </a:fillRef>
+            <a:effectRef idx="0">
+              <a:schemeClr val="accent1"/>
+            </a:effectRef>
+            <a:fontRef idx="minor">
+              <a:schemeClr val="tx1"/>
+            </a:fontRef>
+          </p:style>
+        </p:cxnSp>
+        <p:cxnSp>
+          <p:nvCxnSpPr>
+            <p:cNvPr id="53" name="직선 연결선 52">
+              <a:extLst>
+                <a:ext uri="{FF2B5EF4-FFF2-40B4-BE49-F238E27FC236}">
+                  <a16:creationId xmlns:a16="http://schemas.microsoft.com/office/drawing/2014/main" id="{868A81AD-3918-45A5-A59A-60496C2EF618}"/>
+                </a:ext>
+              </a:extLst>
+            </p:cNvPr>
+            <p:cNvCxnSpPr/>
+            <p:nvPr/>
+          </p:nvCxnSpPr>
+          <p:spPr>
+            <a:xfrm>
+              <a:off x="9782139" y="1639394"/>
+              <a:ext cx="0" cy="2700000"/>
+            </a:xfrm>
+            <a:prstGeom prst="line">
+              <a:avLst/>
+            </a:prstGeom>
+            <a:ln w="25400">
+              <a:solidFill>
+                <a:schemeClr val="accent6">
+                  <a:lumMod val="75000"/>
+                </a:schemeClr>
+              </a:solidFill>
+            </a:ln>
+          </p:spPr>
+          <p:style>
+            <a:lnRef idx="1">
+              <a:schemeClr val="accent1"/>
+            </a:lnRef>
+            <a:fillRef idx="0">
+              <a:schemeClr val="accent1"/>
+            </a:fillRef>
+            <a:effectRef idx="0">
+              <a:schemeClr val="accent1"/>
+            </a:effectRef>
+            <a:fontRef idx="minor">
+              <a:schemeClr val="tx1"/>
+            </a:fontRef>
+          </p:style>
+        </p:cxnSp>
+        <p:cxnSp>
+          <p:nvCxnSpPr>
+            <p:cNvPr id="55" name="직선 연결선 54">
+              <a:extLst>
+                <a:ext uri="{FF2B5EF4-FFF2-40B4-BE49-F238E27FC236}">
+                  <a16:creationId xmlns:a16="http://schemas.microsoft.com/office/drawing/2014/main" id="{BCC3F080-E8C5-4C98-B173-EC5579235ADC}"/>
+                </a:ext>
+              </a:extLst>
+            </p:cNvPr>
+            <p:cNvCxnSpPr/>
+            <p:nvPr/>
+          </p:nvCxnSpPr>
+          <p:spPr>
+            <a:xfrm>
+              <a:off x="8345165" y="1639394"/>
+              <a:ext cx="0" cy="2700000"/>
+            </a:xfrm>
+            <a:prstGeom prst="line">
+              <a:avLst/>
+            </a:prstGeom>
+            <a:ln w="25400">
+              <a:solidFill>
+                <a:schemeClr val="accent6">
+                  <a:lumMod val="75000"/>
+                </a:schemeClr>
+              </a:solidFill>
+            </a:ln>
+          </p:spPr>
+          <p:style>
+            <a:lnRef idx="1">
+              <a:schemeClr val="accent1"/>
+            </a:lnRef>
+            <a:fillRef idx="0">
+              <a:schemeClr val="accent1"/>
+            </a:fillRef>
+            <a:effectRef idx="0">
+              <a:schemeClr val="accent1"/>
+            </a:effectRef>
+            <a:fontRef idx="minor">
+              <a:schemeClr val="tx1"/>
+            </a:fontRef>
+          </p:style>
+        </p:cxnSp>
+        <p:cxnSp>
+          <p:nvCxnSpPr>
+            <p:cNvPr id="56" name="직선 연결선 55">
+              <a:extLst>
+                <a:ext uri="{FF2B5EF4-FFF2-40B4-BE49-F238E27FC236}">
+                  <a16:creationId xmlns:a16="http://schemas.microsoft.com/office/drawing/2014/main" id="{CB558F86-0916-4835-B5ED-0DE817C788D9}"/>
+                </a:ext>
+              </a:extLst>
+            </p:cNvPr>
+            <p:cNvCxnSpPr>
+              <a:cxnSpLocks/>
+            </p:cNvCxnSpPr>
+            <p:nvPr/>
+          </p:nvCxnSpPr>
+          <p:spPr>
+            <a:xfrm>
+              <a:off x="6868376" y="2729901"/>
+              <a:ext cx="2913761" cy="0"/>
+            </a:xfrm>
+            <a:prstGeom prst="line">
+              <a:avLst/>
+            </a:prstGeom>
+            <a:ln w="25400">
+              <a:solidFill>
+                <a:schemeClr val="accent6">
+                  <a:lumMod val="75000"/>
+                </a:schemeClr>
+              </a:solidFill>
+            </a:ln>
+          </p:spPr>
+          <p:style>
+            <a:lnRef idx="1">
+              <a:schemeClr val="accent1"/>
+            </a:lnRef>
+            <a:fillRef idx="0">
+              <a:schemeClr val="accent1"/>
+            </a:fillRef>
+            <a:effectRef idx="0">
+              <a:schemeClr val="accent1"/>
+            </a:effectRef>
+            <a:fontRef idx="minor">
+              <a:schemeClr val="tx1"/>
+            </a:fontRef>
+          </p:style>
+        </p:cxnSp>
+        <p:cxnSp>
+          <p:nvCxnSpPr>
+            <p:cNvPr id="57" name="직선 연결선 56">
+              <a:extLst>
+                <a:ext uri="{FF2B5EF4-FFF2-40B4-BE49-F238E27FC236}">
+                  <a16:creationId xmlns:a16="http://schemas.microsoft.com/office/drawing/2014/main" id="{9CCFAD8E-EA19-4327-ACED-FC780AA37912}"/>
+                </a:ext>
+              </a:extLst>
+            </p:cNvPr>
+            <p:cNvCxnSpPr>
+              <a:cxnSpLocks/>
+            </p:cNvCxnSpPr>
+            <p:nvPr/>
+          </p:nvCxnSpPr>
+          <p:spPr>
+            <a:xfrm>
+              <a:off x="6868376" y="2186204"/>
+              <a:ext cx="2913761" cy="0"/>
+            </a:xfrm>
+            <a:prstGeom prst="line">
+              <a:avLst/>
+            </a:prstGeom>
+            <a:ln w="25400">
+              <a:solidFill>
+                <a:schemeClr val="accent6">
+                  <a:lumMod val="75000"/>
+                </a:schemeClr>
+              </a:solidFill>
+            </a:ln>
+          </p:spPr>
+          <p:style>
+            <a:lnRef idx="1">
+              <a:schemeClr val="accent1"/>
+            </a:lnRef>
+            <a:fillRef idx="0">
+              <a:schemeClr val="accent1"/>
+            </a:fillRef>
+            <a:effectRef idx="0">
+              <a:schemeClr val="accent1"/>
+            </a:effectRef>
+            <a:fontRef idx="minor">
+              <a:schemeClr val="tx1"/>
+            </a:fontRef>
+          </p:style>
+        </p:cxnSp>
+        <p:cxnSp>
+          <p:nvCxnSpPr>
+            <p:cNvPr id="58" name="직선 연결선 57">
+              <a:extLst>
+                <a:ext uri="{FF2B5EF4-FFF2-40B4-BE49-F238E27FC236}">
+                  <a16:creationId xmlns:a16="http://schemas.microsoft.com/office/drawing/2014/main" id="{DCF4045D-95B7-496D-83D9-911509B81A45}"/>
+                </a:ext>
+              </a:extLst>
+            </p:cNvPr>
+            <p:cNvCxnSpPr>
+              <a:cxnSpLocks/>
+            </p:cNvCxnSpPr>
+            <p:nvPr/>
+          </p:nvCxnSpPr>
+          <p:spPr>
+            <a:xfrm>
+              <a:off x="6868376" y="3285956"/>
+              <a:ext cx="2913761" cy="0"/>
+            </a:xfrm>
+            <a:prstGeom prst="line">
+              <a:avLst/>
+            </a:prstGeom>
+            <a:ln w="25400">
+              <a:solidFill>
+                <a:schemeClr val="accent6">
+                  <a:lumMod val="75000"/>
+                </a:schemeClr>
+              </a:solidFill>
+            </a:ln>
+          </p:spPr>
+          <p:style>
+            <a:lnRef idx="1">
+              <a:schemeClr val="accent1"/>
+            </a:lnRef>
+            <a:fillRef idx="0">
+              <a:schemeClr val="accent1"/>
+            </a:fillRef>
+            <a:effectRef idx="0">
+              <a:schemeClr val="accent1"/>
+            </a:effectRef>
+            <a:fontRef idx="minor">
+              <a:schemeClr val="tx1"/>
+            </a:fontRef>
+          </p:style>
+        </p:cxnSp>
+        <p:cxnSp>
+          <p:nvCxnSpPr>
+            <p:cNvPr id="59" name="직선 연결선 58">
+              <a:extLst>
+                <a:ext uri="{FF2B5EF4-FFF2-40B4-BE49-F238E27FC236}">
+                  <a16:creationId xmlns:a16="http://schemas.microsoft.com/office/drawing/2014/main" id="{EF6AEDA8-B3A3-4E1E-B45E-2811DB133E04}"/>
+                </a:ext>
+              </a:extLst>
+            </p:cNvPr>
+            <p:cNvCxnSpPr>
+              <a:cxnSpLocks/>
+            </p:cNvCxnSpPr>
+            <p:nvPr/>
+          </p:nvCxnSpPr>
+          <p:spPr>
+            <a:xfrm>
+              <a:off x="6868376" y="3835518"/>
+              <a:ext cx="2913761" cy="0"/>
+            </a:xfrm>
+            <a:prstGeom prst="line">
+              <a:avLst/>
+            </a:prstGeom>
+            <a:ln w="25400">
+              <a:solidFill>
+                <a:schemeClr val="accent6">
+                  <a:lumMod val="75000"/>
+                </a:schemeClr>
+              </a:solidFill>
+            </a:ln>
+          </p:spPr>
+          <p:style>
+            <a:lnRef idx="1">
+              <a:schemeClr val="accent1"/>
+            </a:lnRef>
+            <a:fillRef idx="0">
+              <a:schemeClr val="accent1"/>
+            </a:fillRef>
+            <a:effectRef idx="0">
+              <a:schemeClr val="accent1"/>
+            </a:effectRef>
+            <a:fontRef idx="minor">
+              <a:schemeClr val="tx1"/>
+            </a:fontRef>
+          </p:style>
+        </p:cxnSp>
+      </p:grpSp>
+      <p:grpSp>
+        <p:nvGrpSpPr>
+          <p:cNvPr id="84" name="그룹 83">
+            <a:extLst>
+              <a:ext uri="{FF2B5EF4-FFF2-40B4-BE49-F238E27FC236}">
+                <a16:creationId xmlns:a16="http://schemas.microsoft.com/office/drawing/2014/main" id="{32EACC9E-5FC5-4AE3-A957-07E66FCC2DF3}"/>
+              </a:ext>
+            </a:extLst>
+          </p:cNvPr>
+          <p:cNvGrpSpPr/>
+          <p:nvPr/>
+        </p:nvGrpSpPr>
+        <p:grpSpPr>
+          <a:xfrm rot="16200000">
+            <a:off x="8212959" y="2000921"/>
+            <a:ext cx="847628" cy="1996963"/>
+            <a:chOff x="6868376" y="1639394"/>
+            <a:chExt cx="1435345" cy="2700000"/>
+          </a:xfrm>
+        </p:grpSpPr>
+        <p:sp>
+          <p:nvSpPr>
+            <p:cNvPr id="65" name="직사각형 64">
+              <a:extLst>
+                <a:ext uri="{FF2B5EF4-FFF2-40B4-BE49-F238E27FC236}">
+                  <a16:creationId xmlns:a16="http://schemas.microsoft.com/office/drawing/2014/main" id="{660F8452-B3A7-4B56-A6C3-24DCE77FF472}"/>
+                </a:ext>
+              </a:extLst>
+            </p:cNvPr>
+            <p:cNvSpPr/>
+            <p:nvPr/>
+          </p:nvSpPr>
+          <p:spPr>
+            <a:xfrm>
+              <a:off x="6868376" y="1639394"/>
+              <a:ext cx="1435345" cy="2700000"/>
+            </a:xfrm>
+            <a:prstGeom prst="rect">
+              <a:avLst/>
+            </a:prstGeom>
+            <a:solidFill>
+              <a:schemeClr val="accent6"/>
+            </a:solidFill>
+            <a:ln w="63500">
+              <a:solidFill>
+                <a:schemeClr val="accent6">
+                  <a:lumMod val="75000"/>
+                </a:schemeClr>
+              </a:solidFill>
+            </a:ln>
+          </p:spPr>
+          <p:style>
+            <a:lnRef idx="2">
+              <a:schemeClr val="accent1">
+                <a:shade val="50000"/>
+              </a:schemeClr>
+            </a:lnRef>
+            <a:fillRef idx="1">
+              <a:schemeClr val="accent1"/>
+            </a:fillRef>
+            <a:effectRef idx="0">
+              <a:schemeClr val="accent1"/>
+            </a:effectRef>
+            <a:fontRef idx="minor">
+              <a:schemeClr val="lt1"/>
+            </a:fontRef>
+          </p:style>
+          <p:txBody>
+            <a:bodyPr rtlCol="0" anchor="ctr"/>
+            <a:lstStyle/>
+            <a:p>
+              <a:pPr algn="ctr"/>
+              <a:endParaRPr lang="ko-KR" altLang="en-US" dirty="0"/>
+            </a:p>
+          </p:txBody>
+        </p:sp>
+        <p:cxnSp>
+          <p:nvCxnSpPr>
+            <p:cNvPr id="66" name="직선 연결선 65">
+              <a:extLst>
+                <a:ext uri="{FF2B5EF4-FFF2-40B4-BE49-F238E27FC236}">
+                  <a16:creationId xmlns:a16="http://schemas.microsoft.com/office/drawing/2014/main" id="{9A820044-A219-4968-B875-4C3A7E079344}"/>
+                </a:ext>
+              </a:extLst>
+            </p:cNvPr>
+            <p:cNvCxnSpPr>
+              <a:cxnSpLocks/>
+            </p:cNvCxnSpPr>
+            <p:nvPr/>
+          </p:nvCxnSpPr>
+          <p:spPr>
+            <a:xfrm>
+              <a:off x="7598699" y="1639394"/>
+              <a:ext cx="0" cy="2700000"/>
+            </a:xfrm>
+            <a:prstGeom prst="line">
+              <a:avLst/>
+            </a:prstGeom>
+            <a:ln w="25400">
+              <a:solidFill>
+                <a:schemeClr val="accent6">
+                  <a:lumMod val="75000"/>
+                </a:schemeClr>
+              </a:solidFill>
+            </a:ln>
+          </p:spPr>
+          <p:style>
+            <a:lnRef idx="1">
+              <a:schemeClr val="accent1"/>
+            </a:lnRef>
+            <a:fillRef idx="0">
+              <a:schemeClr val="accent1"/>
+            </a:fillRef>
+            <a:effectRef idx="0">
+              <a:schemeClr val="accent1"/>
+            </a:effectRef>
+            <a:fontRef idx="minor">
+              <a:schemeClr val="tx1"/>
+            </a:fontRef>
+          </p:style>
+        </p:cxnSp>
+        <p:cxnSp>
+          <p:nvCxnSpPr>
+            <p:cNvPr id="71" name="직선 연결선 70">
+              <a:extLst>
+                <a:ext uri="{FF2B5EF4-FFF2-40B4-BE49-F238E27FC236}">
+                  <a16:creationId xmlns:a16="http://schemas.microsoft.com/office/drawing/2014/main" id="{8F3E1EFF-1934-4F0A-9CDF-66B80AA5B181}"/>
+                </a:ext>
+              </a:extLst>
+            </p:cNvPr>
+            <p:cNvCxnSpPr>
+              <a:cxnSpLocks/>
+            </p:cNvCxnSpPr>
+            <p:nvPr/>
+          </p:nvCxnSpPr>
+          <p:spPr>
+            <a:xfrm>
+              <a:off x="6868376" y="2729901"/>
+              <a:ext cx="1435345" cy="0"/>
+            </a:xfrm>
+            <a:prstGeom prst="line">
+              <a:avLst/>
+            </a:prstGeom>
+            <a:ln w="25400">
+              <a:solidFill>
+                <a:schemeClr val="accent6">
+                  <a:lumMod val="75000"/>
+                </a:schemeClr>
+              </a:solidFill>
+            </a:ln>
+          </p:spPr>
+          <p:style>
+            <a:lnRef idx="1">
+              <a:schemeClr val="accent1"/>
+            </a:lnRef>
+            <a:fillRef idx="0">
+              <a:schemeClr val="accent1"/>
+            </a:fillRef>
+            <a:effectRef idx="0">
+              <a:schemeClr val="accent1"/>
+            </a:effectRef>
+            <a:fontRef idx="minor">
+              <a:schemeClr val="tx1"/>
+            </a:fontRef>
+          </p:style>
+        </p:cxnSp>
+        <p:cxnSp>
+          <p:nvCxnSpPr>
+            <p:cNvPr id="72" name="직선 연결선 71">
+              <a:extLst>
+                <a:ext uri="{FF2B5EF4-FFF2-40B4-BE49-F238E27FC236}">
+                  <a16:creationId xmlns:a16="http://schemas.microsoft.com/office/drawing/2014/main" id="{5CB56AA8-A0E2-403F-B62C-80908A198AAD}"/>
+                </a:ext>
+              </a:extLst>
+            </p:cNvPr>
+            <p:cNvCxnSpPr>
+              <a:cxnSpLocks/>
+            </p:cNvCxnSpPr>
+            <p:nvPr/>
+          </p:nvCxnSpPr>
+          <p:spPr>
+            <a:xfrm>
+              <a:off x="6868376" y="2186204"/>
+              <a:ext cx="1435345" cy="0"/>
+            </a:xfrm>
+            <a:prstGeom prst="line">
+              <a:avLst/>
+            </a:prstGeom>
+            <a:ln w="25400">
+              <a:solidFill>
+                <a:schemeClr val="accent6">
+                  <a:lumMod val="75000"/>
+                </a:schemeClr>
+              </a:solidFill>
+            </a:ln>
+          </p:spPr>
+          <p:style>
+            <a:lnRef idx="1">
+              <a:schemeClr val="accent1"/>
+            </a:lnRef>
+            <a:fillRef idx="0">
+              <a:schemeClr val="accent1"/>
+            </a:fillRef>
+            <a:effectRef idx="0">
+              <a:schemeClr val="accent1"/>
+            </a:effectRef>
+            <a:fontRef idx="minor">
+              <a:schemeClr val="tx1"/>
+            </a:fontRef>
+          </p:style>
+        </p:cxnSp>
+        <p:cxnSp>
+          <p:nvCxnSpPr>
+            <p:cNvPr id="73" name="직선 연결선 72">
+              <a:extLst>
+                <a:ext uri="{FF2B5EF4-FFF2-40B4-BE49-F238E27FC236}">
+                  <a16:creationId xmlns:a16="http://schemas.microsoft.com/office/drawing/2014/main" id="{B5FCFE17-20E8-4C7C-BD76-7D0D351BD6A1}"/>
+                </a:ext>
+              </a:extLst>
+            </p:cNvPr>
+            <p:cNvCxnSpPr>
+              <a:cxnSpLocks/>
+            </p:cNvCxnSpPr>
+            <p:nvPr/>
+          </p:nvCxnSpPr>
+          <p:spPr>
+            <a:xfrm>
+              <a:off x="6868376" y="3285956"/>
+              <a:ext cx="1435345" cy="0"/>
+            </a:xfrm>
+            <a:prstGeom prst="line">
+              <a:avLst/>
+            </a:prstGeom>
+            <a:ln w="25400">
+              <a:solidFill>
+                <a:schemeClr val="accent6">
+                  <a:lumMod val="75000"/>
+                </a:schemeClr>
+              </a:solidFill>
+            </a:ln>
+          </p:spPr>
+          <p:style>
+            <a:lnRef idx="1">
+              <a:schemeClr val="accent1"/>
+            </a:lnRef>
+            <a:fillRef idx="0">
+              <a:schemeClr val="accent1"/>
+            </a:fillRef>
+            <a:effectRef idx="0">
+              <a:schemeClr val="accent1"/>
+            </a:effectRef>
+            <a:fontRef idx="minor">
+              <a:schemeClr val="tx1"/>
+            </a:fontRef>
+          </p:style>
+        </p:cxnSp>
+        <p:cxnSp>
+          <p:nvCxnSpPr>
+            <p:cNvPr id="74" name="직선 연결선 73">
+              <a:extLst>
+                <a:ext uri="{FF2B5EF4-FFF2-40B4-BE49-F238E27FC236}">
+                  <a16:creationId xmlns:a16="http://schemas.microsoft.com/office/drawing/2014/main" id="{12078B4B-9E3D-4A80-A9A9-4EAD82282CA6}"/>
+                </a:ext>
+              </a:extLst>
+            </p:cNvPr>
+            <p:cNvCxnSpPr>
+              <a:cxnSpLocks/>
+            </p:cNvCxnSpPr>
+            <p:nvPr/>
+          </p:nvCxnSpPr>
+          <p:spPr>
+            <a:xfrm>
+              <a:off x="6868376" y="3835518"/>
+              <a:ext cx="1435345" cy="0"/>
+            </a:xfrm>
+            <a:prstGeom prst="line">
+              <a:avLst/>
+            </a:prstGeom>
+            <a:ln w="25400">
+              <a:solidFill>
+                <a:schemeClr val="accent6">
+                  <a:lumMod val="75000"/>
+                </a:schemeClr>
+              </a:solidFill>
+            </a:ln>
+          </p:spPr>
+          <p:style>
+            <a:lnRef idx="1">
+              <a:schemeClr val="accent1"/>
+            </a:lnRef>
+            <a:fillRef idx="0">
+              <a:schemeClr val="accent1"/>
+            </a:fillRef>
+            <a:effectRef idx="0">
+              <a:schemeClr val="accent1"/>
+            </a:effectRef>
+            <a:fontRef idx="minor">
+              <a:schemeClr val="tx1"/>
+            </a:fontRef>
+          </p:style>
+        </p:cxnSp>
+      </p:grpSp>
+      <p:grpSp>
+        <p:nvGrpSpPr>
+          <p:cNvPr id="85" name="그룹 84">
+            <a:extLst>
+              <a:ext uri="{FF2B5EF4-FFF2-40B4-BE49-F238E27FC236}">
+                <a16:creationId xmlns:a16="http://schemas.microsoft.com/office/drawing/2014/main" id="{0D2C6274-EB44-4934-8E87-230AC2476957}"/>
+              </a:ext>
+            </a:extLst>
+          </p:cNvPr>
+          <p:cNvGrpSpPr/>
+          <p:nvPr/>
+        </p:nvGrpSpPr>
+        <p:grpSpPr>
+          <a:xfrm rot="16200000">
+            <a:off x="8212960" y="5142428"/>
+            <a:ext cx="847628" cy="1996963"/>
+            <a:chOff x="6868376" y="1639394"/>
+            <a:chExt cx="1435345" cy="2700000"/>
+          </a:xfrm>
+        </p:grpSpPr>
+        <p:sp>
+          <p:nvSpPr>
+            <p:cNvPr id="86" name="직사각형 85">
+              <a:extLst>
+                <a:ext uri="{FF2B5EF4-FFF2-40B4-BE49-F238E27FC236}">
+                  <a16:creationId xmlns:a16="http://schemas.microsoft.com/office/drawing/2014/main" id="{044F479A-7D9E-4A40-90B7-5FF2F94BC463}"/>
+                </a:ext>
+              </a:extLst>
+            </p:cNvPr>
+            <p:cNvSpPr/>
+            <p:nvPr/>
+          </p:nvSpPr>
+          <p:spPr>
+            <a:xfrm>
+              <a:off x="6868376" y="1639394"/>
+              <a:ext cx="1435345" cy="2700000"/>
+            </a:xfrm>
+            <a:prstGeom prst="rect">
+              <a:avLst/>
+            </a:prstGeom>
+            <a:solidFill>
+              <a:schemeClr val="accent6"/>
+            </a:solidFill>
+            <a:ln w="63500">
+              <a:solidFill>
+                <a:schemeClr val="accent6">
+                  <a:lumMod val="75000"/>
+                </a:schemeClr>
+              </a:solidFill>
+            </a:ln>
+          </p:spPr>
+          <p:style>
+            <a:lnRef idx="2">
+              <a:schemeClr val="accent1">
+                <a:shade val="50000"/>
+              </a:schemeClr>
+            </a:lnRef>
+            <a:fillRef idx="1">
+              <a:schemeClr val="accent1"/>
+            </a:fillRef>
+            <a:effectRef idx="0">
+              <a:schemeClr val="accent1"/>
+            </a:effectRef>
+            <a:fontRef idx="minor">
+              <a:schemeClr val="lt1"/>
+            </a:fontRef>
+          </p:style>
+          <p:txBody>
+            <a:bodyPr rtlCol="0" anchor="ctr"/>
+            <a:lstStyle/>
+            <a:p>
+              <a:pPr algn="ctr"/>
+              <a:endParaRPr lang="ko-KR" altLang="en-US" dirty="0"/>
+            </a:p>
+          </p:txBody>
+        </p:sp>
+        <p:cxnSp>
+          <p:nvCxnSpPr>
+            <p:cNvPr id="87" name="직선 연결선 86">
+              <a:extLst>
+                <a:ext uri="{FF2B5EF4-FFF2-40B4-BE49-F238E27FC236}">
+                  <a16:creationId xmlns:a16="http://schemas.microsoft.com/office/drawing/2014/main" id="{8584EA89-5C5D-4C81-82F3-0472632B146B}"/>
+                </a:ext>
+              </a:extLst>
+            </p:cNvPr>
+            <p:cNvCxnSpPr>
+              <a:cxnSpLocks/>
+            </p:cNvCxnSpPr>
+            <p:nvPr/>
+          </p:nvCxnSpPr>
+          <p:spPr>
+            <a:xfrm>
+              <a:off x="7598699" y="1639394"/>
+              <a:ext cx="0" cy="2700000"/>
+            </a:xfrm>
+            <a:prstGeom prst="line">
+              <a:avLst/>
+            </a:prstGeom>
+            <a:ln w="25400">
+              <a:solidFill>
+                <a:schemeClr val="accent6">
+                  <a:lumMod val="75000"/>
+                </a:schemeClr>
+              </a:solidFill>
+            </a:ln>
+          </p:spPr>
+          <p:style>
+            <a:lnRef idx="1">
+              <a:schemeClr val="accent1"/>
+            </a:lnRef>
+            <a:fillRef idx="0">
+              <a:schemeClr val="accent1"/>
+            </a:fillRef>
+            <a:effectRef idx="0">
+              <a:schemeClr val="accent1"/>
+            </a:effectRef>
+            <a:fontRef idx="minor">
+              <a:schemeClr val="tx1"/>
+            </a:fontRef>
+          </p:style>
+        </p:cxnSp>
+        <p:cxnSp>
+          <p:nvCxnSpPr>
+            <p:cNvPr id="88" name="직선 연결선 87">
+              <a:extLst>
+                <a:ext uri="{FF2B5EF4-FFF2-40B4-BE49-F238E27FC236}">
+                  <a16:creationId xmlns:a16="http://schemas.microsoft.com/office/drawing/2014/main" id="{05F765CF-47DA-483E-9D1D-A69F428EA85C}"/>
+                </a:ext>
+              </a:extLst>
+            </p:cNvPr>
+            <p:cNvCxnSpPr>
+              <a:cxnSpLocks/>
+            </p:cNvCxnSpPr>
+            <p:nvPr/>
+          </p:nvCxnSpPr>
+          <p:spPr>
+            <a:xfrm>
+              <a:off x="6868376" y="2729901"/>
+              <a:ext cx="1435345" cy="0"/>
+            </a:xfrm>
+            <a:prstGeom prst="line">
+              <a:avLst/>
+            </a:prstGeom>
+            <a:ln w="25400">
+              <a:solidFill>
+                <a:schemeClr val="accent6">
+                  <a:lumMod val="75000"/>
+                </a:schemeClr>
+              </a:solidFill>
+            </a:ln>
+          </p:spPr>
+          <p:style>
+            <a:lnRef idx="1">
+              <a:schemeClr val="accent1"/>
+            </a:lnRef>
+            <a:fillRef idx="0">
+              <a:schemeClr val="accent1"/>
+            </a:fillRef>
+            <a:effectRef idx="0">
+              <a:schemeClr val="accent1"/>
+            </a:effectRef>
+            <a:fontRef idx="minor">
+              <a:schemeClr val="tx1"/>
+            </a:fontRef>
+          </p:style>
+        </p:cxnSp>
+        <p:cxnSp>
+          <p:nvCxnSpPr>
+            <p:cNvPr id="89" name="직선 연결선 88">
+              <a:extLst>
+                <a:ext uri="{FF2B5EF4-FFF2-40B4-BE49-F238E27FC236}">
+                  <a16:creationId xmlns:a16="http://schemas.microsoft.com/office/drawing/2014/main" id="{1465D9E0-16C0-42ED-8813-077C28D4A91D}"/>
+                </a:ext>
+              </a:extLst>
+            </p:cNvPr>
+            <p:cNvCxnSpPr>
+              <a:cxnSpLocks/>
+            </p:cNvCxnSpPr>
+            <p:nvPr/>
+          </p:nvCxnSpPr>
+          <p:spPr>
+            <a:xfrm>
+              <a:off x="6868376" y="2186204"/>
+              <a:ext cx="1435345" cy="0"/>
+            </a:xfrm>
+            <a:prstGeom prst="line">
+              <a:avLst/>
+            </a:prstGeom>
+            <a:ln w="25400">
+              <a:solidFill>
+                <a:schemeClr val="accent6">
+                  <a:lumMod val="75000"/>
+                </a:schemeClr>
+              </a:solidFill>
+            </a:ln>
+          </p:spPr>
+          <p:style>
+            <a:lnRef idx="1">
+              <a:schemeClr val="accent1"/>
+            </a:lnRef>
+            <a:fillRef idx="0">
+              <a:schemeClr val="accent1"/>
+            </a:fillRef>
+            <a:effectRef idx="0">
+              <a:schemeClr val="accent1"/>
+            </a:effectRef>
+            <a:fontRef idx="minor">
+              <a:schemeClr val="tx1"/>
+            </a:fontRef>
+          </p:style>
+        </p:cxnSp>
+        <p:cxnSp>
+          <p:nvCxnSpPr>
+            <p:cNvPr id="90" name="직선 연결선 89">
+              <a:extLst>
+                <a:ext uri="{FF2B5EF4-FFF2-40B4-BE49-F238E27FC236}">
+                  <a16:creationId xmlns:a16="http://schemas.microsoft.com/office/drawing/2014/main" id="{CC40D4B0-DED9-4E04-9911-5863351F613E}"/>
+                </a:ext>
+              </a:extLst>
+            </p:cNvPr>
+            <p:cNvCxnSpPr>
+              <a:cxnSpLocks/>
+            </p:cNvCxnSpPr>
+            <p:nvPr/>
+          </p:nvCxnSpPr>
+          <p:spPr>
+            <a:xfrm>
+              <a:off x="6868376" y="3285956"/>
+              <a:ext cx="1435345" cy="0"/>
+            </a:xfrm>
+            <a:prstGeom prst="line">
+              <a:avLst/>
+            </a:prstGeom>
+            <a:ln w="25400">
+              <a:solidFill>
+                <a:schemeClr val="accent6">
+                  <a:lumMod val="75000"/>
+                </a:schemeClr>
+              </a:solidFill>
+            </a:ln>
+          </p:spPr>
+          <p:style>
+            <a:lnRef idx="1">
+              <a:schemeClr val="accent1"/>
+            </a:lnRef>
+            <a:fillRef idx="0">
+              <a:schemeClr val="accent1"/>
+            </a:fillRef>
+            <a:effectRef idx="0">
+              <a:schemeClr val="accent1"/>
+            </a:effectRef>
+            <a:fontRef idx="minor">
+              <a:schemeClr val="tx1"/>
+            </a:fontRef>
+          </p:style>
+        </p:cxnSp>
+        <p:cxnSp>
+          <p:nvCxnSpPr>
+            <p:cNvPr id="91" name="직선 연결선 90">
+              <a:extLst>
+                <a:ext uri="{FF2B5EF4-FFF2-40B4-BE49-F238E27FC236}">
+                  <a16:creationId xmlns:a16="http://schemas.microsoft.com/office/drawing/2014/main" id="{B1826BAC-7776-41BE-A877-E97978D5DCEE}"/>
+                </a:ext>
+              </a:extLst>
+            </p:cNvPr>
+            <p:cNvCxnSpPr>
+              <a:cxnSpLocks/>
+            </p:cNvCxnSpPr>
+            <p:nvPr/>
+          </p:nvCxnSpPr>
+          <p:spPr>
+            <a:xfrm>
+              <a:off x="6868376" y="3835518"/>
+              <a:ext cx="1435345" cy="0"/>
+            </a:xfrm>
+            <a:prstGeom prst="line">
+              <a:avLst/>
+            </a:prstGeom>
+            <a:ln w="25400">
+              <a:solidFill>
+                <a:schemeClr val="accent6">
+                  <a:lumMod val="75000"/>
+                </a:schemeClr>
+              </a:solidFill>
+            </a:ln>
+          </p:spPr>
+          <p:style>
+            <a:lnRef idx="1">
+              <a:schemeClr val="accent1"/>
+            </a:lnRef>
+            <a:fillRef idx="0">
+              <a:schemeClr val="accent1"/>
+            </a:fillRef>
+            <a:effectRef idx="0">
+              <a:schemeClr val="accent1"/>
+            </a:effectRef>
+            <a:fontRef idx="minor">
+              <a:schemeClr val="tx1"/>
+            </a:fontRef>
+          </p:style>
+        </p:cxnSp>
+      </p:grpSp>
+      <p:sp>
+        <p:nvSpPr>
+          <p:cNvPr id="93" name="화살표: 오른쪽 92">
+            <a:extLst>
+              <a:ext uri="{FF2B5EF4-FFF2-40B4-BE49-F238E27FC236}">
+                <a16:creationId xmlns:a16="http://schemas.microsoft.com/office/drawing/2014/main" id="{08D5120A-1591-4F5E-A470-B3763A648248}"/>
+              </a:ext>
+            </a:extLst>
+          </p:cNvPr>
+          <p:cNvSpPr/>
+          <p:nvPr/>
+        </p:nvSpPr>
+        <p:spPr>
+          <a:xfrm rot="16200000">
+            <a:off x="9574234" y="1769883"/>
+            <a:ext cx="820362" cy="362840"/>
+          </a:xfrm>
+          <a:prstGeom prst="rightArrow">
+            <a:avLst>
+              <a:gd name="adj1" fmla="val 36378"/>
+              <a:gd name="adj2" fmla="val 50000"/>
+            </a:avLst>
+          </a:prstGeom>
+          <a:solidFill>
+            <a:srgbClr val="C00000"/>
+          </a:solidFill>
+          <a:ln>
+            <a:noFill/>
+          </a:ln>
+        </p:spPr>
+        <p:style>
+          <a:lnRef idx="2">
+            <a:schemeClr val="accent1">
+              <a:shade val="50000"/>
+            </a:schemeClr>
+          </a:lnRef>
+          <a:fillRef idx="1">
+            <a:schemeClr val="accent1"/>
+          </a:fillRef>
+          <a:effectRef idx="0">
+            <a:schemeClr val="accent1"/>
+          </a:effectRef>
+          <a:fontRef idx="minor">
+            <a:schemeClr val="lt1"/>
+          </a:fontRef>
+        </p:style>
+        <p:txBody>
+          <a:bodyPr rtlCol="0" anchor="ctr"/>
+          <a:lstStyle/>
+          <a:p>
+            <a:pPr algn="ctr"/>
+            <a:endParaRPr lang="ko-KR" altLang="en-US"/>
+          </a:p>
+        </p:txBody>
+      </p:sp>
+      <p:sp>
+        <p:nvSpPr>
+          <p:cNvPr id="94" name="화살표: 오른쪽 93">
+            <a:extLst>
+              <a:ext uri="{FF2B5EF4-FFF2-40B4-BE49-F238E27FC236}">
+                <a16:creationId xmlns:a16="http://schemas.microsoft.com/office/drawing/2014/main" id="{02876D94-0F39-4FFC-9396-E66E4D3491DF}"/>
+              </a:ext>
+            </a:extLst>
+          </p:cNvPr>
+          <p:cNvSpPr/>
+          <p:nvPr/>
+        </p:nvSpPr>
+        <p:spPr>
+          <a:xfrm rot="16200000">
+            <a:off x="9574231" y="4916311"/>
+            <a:ext cx="820362" cy="362840"/>
+          </a:xfrm>
+          <a:prstGeom prst="rightArrow">
+            <a:avLst>
+              <a:gd name="adj1" fmla="val 36378"/>
+              <a:gd name="adj2" fmla="val 50000"/>
+            </a:avLst>
+          </a:prstGeom>
+          <a:solidFill>
+            <a:srgbClr val="C00000"/>
+          </a:solidFill>
+          <a:ln>
+            <a:noFill/>
+          </a:ln>
+        </p:spPr>
+        <p:style>
+          <a:lnRef idx="2">
+            <a:schemeClr val="accent1">
+              <a:shade val="50000"/>
+            </a:schemeClr>
+          </a:lnRef>
+          <a:fillRef idx="1">
+            <a:schemeClr val="accent1"/>
+          </a:fillRef>
+          <a:effectRef idx="0">
+            <a:schemeClr val="accent1"/>
+          </a:effectRef>
+          <a:fontRef idx="minor">
+            <a:schemeClr val="lt1"/>
+          </a:fontRef>
+        </p:style>
+        <p:txBody>
+          <a:bodyPr rtlCol="0" anchor="ctr"/>
+          <a:lstStyle/>
+          <a:p>
+            <a:pPr algn="ctr"/>
+            <a:endParaRPr lang="ko-KR" altLang="en-US"/>
+          </a:p>
+        </p:txBody>
+      </p:sp>
+      <p:sp>
+        <p:nvSpPr>
+          <p:cNvPr id="102" name="타원 101">
+            <a:extLst>
+              <a:ext uri="{FF2B5EF4-FFF2-40B4-BE49-F238E27FC236}">
+                <a16:creationId xmlns:a16="http://schemas.microsoft.com/office/drawing/2014/main" id="{A3F0888F-CECA-40F8-AB17-43CE2AA52C42}"/>
+              </a:ext>
+            </a:extLst>
+          </p:cNvPr>
+          <p:cNvSpPr/>
+          <p:nvPr/>
+        </p:nvSpPr>
+        <p:spPr>
+          <a:xfrm>
+            <a:off x="8555364" y="5153938"/>
+            <a:ext cx="233778" cy="226046"/>
+          </a:xfrm>
+          <a:prstGeom prst="ellipse">
+            <a:avLst/>
+          </a:prstGeom>
+          <a:solidFill>
+            <a:schemeClr val="accent4"/>
+          </a:solidFill>
+        </p:spPr>
+        <p:style>
+          <a:lnRef idx="2">
+            <a:schemeClr val="accent1">
+              <a:shade val="50000"/>
+            </a:schemeClr>
+          </a:lnRef>
+          <a:fillRef idx="1">
+            <a:schemeClr val="accent1"/>
+          </a:fillRef>
+          <a:effectRef idx="0">
+            <a:schemeClr val="accent1"/>
+          </a:effectRef>
+          <a:fontRef idx="minor">
+            <a:schemeClr val="lt1"/>
+          </a:fontRef>
+        </p:style>
+        <p:txBody>
+          <a:bodyPr rtlCol="0" anchor="ctr"/>
+          <a:lstStyle/>
+          <a:p>
+            <a:pPr algn="ctr"/>
+            <a:endParaRPr lang="ko-KR" altLang="en-US"/>
+          </a:p>
+        </p:txBody>
+      </p:sp>
+    </p:spTree>
+    <p:extLst>
+      <p:ext uri="{BB962C8B-B14F-4D97-AF65-F5344CB8AC3E}">
+        <p14:creationId xmlns:p14="http://schemas.microsoft.com/office/powerpoint/2010/main" val="424710603"/>
+      </p:ext>
+    </p:extLst>
+  </p:cSld>
+  <p:clrMapOvr>
+    <a:masterClrMapping/>
+  </p:clrMapOvr>
+  <p:timing>
+    <p:tnLst>
+      <p:par>
+        <p:cTn id="1" dur="indefinite" restart="never" nodeType="tmRoot">
+          <p:childTnLst>
+            <p:seq concurrent="1" nextAc="seek">
+              <p:cTn id="2" dur="indefinite" nodeType="mainSeq">
+                <p:childTnLst>
+                  <p:par>
+                    <p:cTn id="3" fill="hold">
+                      <p:stCondLst>
+                        <p:cond delay="indefinite"/>
+                      </p:stCondLst>
+                      <p:childTnLst>
+                        <p:par>
+                          <p:cTn id="4" fill="hold">
+                            <p:stCondLst>
+                              <p:cond delay="0"/>
+                            </p:stCondLst>
+                            <p:childTnLst>
+                              <p:par>
+                                <p:cTn id="5" presetID="1" presetClass="entr" presetSubtype="0" fill="hold" grpId="0" nodeType="clickEffect">
+                                  <p:stCondLst>
+                                    <p:cond delay="0"/>
+                                  </p:stCondLst>
+                                  <p:childTnLst>
+                                    <p:set>
+                                      <p:cBhvr>
+                                        <p:cTn id="6" dur="1" fill="hold">
+                                          <p:stCondLst>
+                                            <p:cond delay="0"/>
+                                          </p:stCondLst>
+                                        </p:cTn>
+                                        <p:tgtEl>
+                                          <p:spTgt spid="14"/>
+                                        </p:tgtEl>
+                                        <p:attrNameLst>
+                                          <p:attrName>style.visibility</p:attrName>
+                                        </p:attrNameLst>
+                                      </p:cBhvr>
+                                      <p:to>
+                                        <p:strVal val="visible"/>
+                                      </p:to>
+                                    </p:set>
+                                  </p:childTnLst>
+                                </p:cTn>
+                              </p:par>
+                            </p:childTnLst>
+                          </p:cTn>
+                        </p:par>
+                      </p:childTnLst>
+                    </p:cTn>
+                  </p:par>
+                  <p:par>
+                    <p:cTn id="7" fill="hold">
+                      <p:stCondLst>
+                        <p:cond delay="indefinite"/>
+                      </p:stCondLst>
+                      <p:childTnLst>
+                        <p:par>
+                          <p:cTn id="8" fill="hold">
+                            <p:stCondLst>
+                              <p:cond delay="0"/>
+                            </p:stCondLst>
+                            <p:childTnLst>
+                              <p:par>
+                                <p:cTn id="9" presetID="64" presetClass="path" presetSubtype="0" accel="50000" decel="50000" fill="hold" grpId="0" nodeType="clickEffect">
+                                  <p:stCondLst>
+                                    <p:cond delay="0"/>
+                                  </p:stCondLst>
+                                  <p:childTnLst>
+                                    <p:animMotion origin="layout" path="M 2.08333E-6 4.44444E-6 L 2.08333E-6 -0.36806 " pathEditMode="relative" rAng="0" ptsTypes="AA">
+                                      <p:cBhvr>
+                                        <p:cTn id="10" dur="2000" fill="hold"/>
+                                        <p:tgtEl>
+                                          <p:spTgt spid="102"/>
+                                        </p:tgtEl>
+                                        <p:attrNameLst>
+                                          <p:attrName>ppt_x</p:attrName>
+                                          <p:attrName>ppt_y</p:attrName>
+                                        </p:attrNameLst>
+                                      </p:cBhvr>
+                                      <p:rCtr x="0" y="-18403"/>
+                                    </p:animMotion>
+                                  </p:childTnLst>
+                                </p:cTn>
+                              </p:par>
+                            </p:childTnLst>
+                          </p:cTn>
+                        </p:par>
+                      </p:childTnLst>
+                    </p:cTn>
+                  </p:par>
+                  <p:par>
+                    <p:cTn id="11" fill="hold">
+                      <p:stCondLst>
+                        <p:cond delay="indefinite"/>
+                      </p:stCondLst>
+                      <p:childTnLst>
+                        <p:par>
+                          <p:cTn id="12" fill="hold">
+                            <p:stCondLst>
+                              <p:cond delay="0"/>
+                            </p:stCondLst>
+                            <p:childTnLst>
+                              <p:par>
+                                <p:cTn id="13" presetID="64" presetClass="path" presetSubtype="0" accel="50000" decel="50000" fill="hold" nodeType="clickEffect">
+                                  <p:stCondLst>
+                                    <p:cond delay="0"/>
+                                  </p:stCondLst>
+                                  <p:childTnLst>
+                                    <p:animMotion origin="layout" path="M -3.33333E-6 7.40741E-7 L -3.33333E-6 -0.46945 " pathEditMode="relative" rAng="0" ptsTypes="AA">
+                                      <p:cBhvr>
+                                        <p:cTn id="14" dur="2000" fill="hold"/>
+                                        <p:tgtEl>
+                                          <p:spTgt spid="64"/>
+                                        </p:tgtEl>
+                                        <p:attrNameLst>
+                                          <p:attrName>ppt_x</p:attrName>
+                                          <p:attrName>ppt_y</p:attrName>
+                                        </p:attrNameLst>
+                                      </p:cBhvr>
+                                      <p:rCtr x="0" y="-23472"/>
+                                    </p:animMotion>
+                                  </p:childTnLst>
+                                </p:cTn>
+                              </p:par>
+                            </p:childTnLst>
+                          </p:cTn>
+                        </p:par>
+                      </p:childTnLst>
+                    </p:cTn>
+                  </p:par>
+                </p:childTnLst>
+              </p:cTn>
+              <p:prevCondLst>
+                <p:cond evt="onPrev" delay="0">
+                  <p:tgtEl>
+                    <p:sldTgt/>
+                  </p:tgtEl>
+                </p:cond>
+              </p:prevCondLst>
+              <p:nextCondLst>
+                <p:cond evt="onNext" delay="0">
+                  <p:tgtEl>
+                    <p:sldTgt/>
+                  </p:tgtEl>
+                </p:cond>
+              </p:nextCondLst>
+            </p:seq>
+          </p:childTnLst>
+        </p:cTn>
+      </p:par>
+    </p:tnLst>
+    <p:bldLst>
+      <p:bldP spid="14" grpId="0" animBg="1"/>
+      <p:bldP spid="102" grpId="0" animBg="1"/>
+    </p:bldLst>
+  </p:timing>
+</p:sld>
+</file>
+
+<file path=ppt/slides/slide11.xml><?xml version="1.0" encoding="utf-8"?>
 <p:sld xmlns:a="http://schemas.openxmlformats.org/drawingml/2006/main" xmlns:r="http://schemas.openxmlformats.org/officeDocument/2006/relationships" xmlns:p="http://schemas.openxmlformats.org/presentationml/2006/main">
   <p:cSld>
     <p:spTree>
@@ -6651,7 +8508,7 @@
 </p:sld>
 </file>
 
-<file path=ppt/slides/slide11.xml><?xml version="1.0" encoding="utf-8"?>
+<file path=ppt/slides/slide12.xml><?xml version="1.0" encoding="utf-8"?>
 <p:sld xmlns:a="http://schemas.openxmlformats.org/drawingml/2006/main" xmlns:r="http://schemas.openxmlformats.org/officeDocument/2006/relationships" xmlns:p="http://schemas.openxmlformats.org/presentationml/2006/main">
   <p:cSld>
     <p:spTree>
@@ -7597,6 +9454,51 @@
                       </p:childTnLst>
                     </p:cTn>
                   </p:par>
+                  <p:par>
+                    <p:cTn id="7" fill="hold">
+                      <p:stCondLst>
+                        <p:cond delay="indefinite"/>
+                      </p:stCondLst>
+                      <p:childTnLst>
+                        <p:par>
+                          <p:cTn id="8" fill="hold">
+                            <p:stCondLst>
+                              <p:cond delay="0"/>
+                            </p:stCondLst>
+                            <p:childTnLst>
+                              <p:par>
+                                <p:cTn id="9" presetID="1" presetClass="entr" presetSubtype="0" fill="hold" nodeType="clickEffect">
+                                  <p:stCondLst>
+                                    <p:cond delay="0"/>
+                                  </p:stCondLst>
+                                  <p:childTnLst>
+                                    <p:set>
+                                      <p:cBhvr>
+                                        <p:cTn id="10" dur="1" fill="hold">
+                                          <p:stCondLst>
+                                            <p:cond delay="0"/>
+                                          </p:stCondLst>
+                                        </p:cTn>
+                                        <p:tgtEl>
+                                          <p:spTgt spid="8"/>
+                                        </p:tgtEl>
+                                        <p:attrNameLst>
+                                          <p:attrName>style.visibility</p:attrName>
+                                        </p:attrNameLst>
+                                      </p:cBhvr>
+                                      <p:to>
+                                        <p:strVal val="visible"/>
+                                      </p:to>
+                                    </p:set>
+                                  </p:childTnLst>
+                                </p:cTn>
+                              </p:par>
+                            </p:childTnLst>
+                          </p:cTn>
+                        </p:par>
+                      </p:childTnLst>
+                    </p:cTn>
+                  </p:par>
                 </p:childTnLst>
               </p:cTn>
               <p:prevCondLst>
@@ -7622,7 +9524,7 @@
 </p:sld>
 </file>
 
-<file path=ppt/slides/slide12.xml><?xml version="1.0" encoding="utf-8"?>
+<file path=ppt/slides/slide13.xml><?xml version="1.0" encoding="utf-8"?>
 <p:sld xmlns:a="http://schemas.openxmlformats.org/drawingml/2006/main" xmlns:r="http://schemas.openxmlformats.org/officeDocument/2006/relationships" xmlns:p="http://schemas.openxmlformats.org/presentationml/2006/main">
   <p:cSld>
     <p:spTree>
@@ -8124,10 +10026,130 @@
   <p:clrMapOvr>
     <a:masterClrMapping/>
   </p:clrMapOvr>
+  <p:timing>
+    <p:tnLst>
+      <p:par>
+        <p:cTn id="1" dur="indefinite" restart="never" nodeType="tmRoot">
+          <p:childTnLst>
+            <p:seq concurrent="1" nextAc="seek">
+              <p:cTn id="2" dur="indefinite" nodeType="mainSeq">
+                <p:childTnLst>
+                  <p:par>
+                    <p:cTn id="3" fill="hold">
+                      <p:stCondLst>
+                        <p:cond delay="indefinite"/>
+                      </p:stCondLst>
+                      <p:childTnLst>
+                        <p:par>
+                          <p:cTn id="4" fill="hold">
+                            <p:stCondLst>
+                              <p:cond delay="0"/>
+                            </p:stCondLst>
+                            <p:childTnLst>
+                              <p:par>
+                                <p:cTn id="5" presetID="1" presetClass="entr" presetSubtype="0" fill="hold" nodeType="clickEffect">
+                                  <p:stCondLst>
+                                    <p:cond delay="0"/>
+                                  </p:stCondLst>
+                                  <p:childTnLst>
+                                    <p:set>
+                                      <p:cBhvr>
+                                        <p:cTn id="6" dur="1" fill="hold">
+                                          <p:stCondLst>
+                                            <p:cond delay="0"/>
+                                          </p:stCondLst>
+                                        </p:cTn>
+                                        <p:tgtEl>
+                                          <p:spTgt spid="27"/>
+                                        </p:tgtEl>
+                                        <p:attrNameLst>
+                                          <p:attrName>style.visibility</p:attrName>
+                                        </p:attrNameLst>
+                                      </p:cBhvr>
+                                      <p:to>
+                                        <p:strVal val="visible"/>
+                                      </p:to>
+                                    </p:set>
+                                  </p:childTnLst>
+                                </p:cTn>
+                              </p:par>
+                            </p:childTnLst>
+                          </p:cTn>
+                        </p:par>
+                      </p:childTnLst>
+                    </p:cTn>
+                  </p:par>
+                  <p:par>
+                    <p:cTn id="7" fill="hold">
+                      <p:stCondLst>
+                        <p:cond delay="indefinite"/>
+                      </p:stCondLst>
+                      <p:childTnLst>
+                        <p:par>
+                          <p:cTn id="8" fill="hold">
+                            <p:stCondLst>
+                              <p:cond delay="0"/>
+                            </p:stCondLst>
+                            <p:childTnLst>
+                              <p:par>
+                                <p:cTn id="9" presetID="1" presetClass="entr" presetSubtype="0" fill="hold" nodeType="clickEffect">
+                                  <p:stCondLst>
+                                    <p:cond delay="0"/>
+                                  </p:stCondLst>
+                                  <p:childTnLst>
+                                    <p:set>
+                                      <p:cBhvr>
+                                        <p:cTn id="10" dur="1" fill="hold">
+                                          <p:stCondLst>
+                                            <p:cond delay="0"/>
+                                          </p:stCondLst>
+                                        </p:cTn>
+                                        <p:tgtEl>
+                                          <p:spTgt spid="28"/>
+                                        </p:tgtEl>
+                                        <p:attrNameLst>
+                                          <p:attrName>style.visibility</p:attrName>
+                                        </p:attrNameLst>
+                                      </p:cBhvr>
+                                      <p:to>
+                                        <p:strVal val="visible"/>
+                                      </p:to>
+                                    </p:set>
+                                  </p:childTnLst>
+                                </p:cTn>
+                              </p:par>
+                            </p:childTnLst>
+                          </p:cTn>
+                        </p:par>
+                      </p:childTnLst>
+                    </p:cTn>
+                  </p:par>
+                </p:childTnLst>
+              </p:cTn>
+              <p:prevCondLst>
+                <p:cond evt="onPrev" delay="0">
+                  <p:tgtEl>
+                    <p:sldTgt/>
+                  </p:tgtEl>
+                </p:cond>
+              </p:prevCondLst>
+              <p:nextCondLst>
+                <p:cond evt="onNext" delay="0">
+                  <p:tgtEl>
+                    <p:sldTgt/>
+                  </p:tgtEl>
+                </p:cond>
+              </p:nextCondLst>
+            </p:seq>
+          </p:childTnLst>
+        </p:cTn>
+      </p:par>
+    </p:tnLst>
+  </p:timing>
 </p:sld>
 </file>
 
-<file path=ppt/slides/slide13.xml><?xml version="1.0" encoding="utf-8"?>
+<file path=ppt/slides/slide14.xml><?xml version="1.0" encoding="utf-8"?>
 <p:sld xmlns:a="http://schemas.openxmlformats.org/drawingml/2006/main" xmlns:r="http://schemas.openxmlformats.org/officeDocument/2006/relationships" xmlns:p="http://schemas.openxmlformats.org/presentationml/2006/main">
   <p:cSld>
     <p:spTree>
@@ -8429,7 +10451,7 @@
 </p:sld>
 </file>
 
-<file path=ppt/slides/slide14.xml><?xml version="1.0" encoding="utf-8"?>
+<file path=ppt/slides/slide15.xml><?xml version="1.0" encoding="utf-8"?>
 <p:sld xmlns:a="http://schemas.openxmlformats.org/drawingml/2006/main" xmlns:r="http://schemas.openxmlformats.org/officeDocument/2006/relationships" xmlns:p="http://schemas.openxmlformats.org/presentationml/2006/main">
   <p:cSld>
     <p:spTree>
@@ -8674,7 +10696,7 @@
 </p:sld>
 </file>
 
-<file path=ppt/slides/slide15.xml><?xml version="1.0" encoding="utf-8"?>
+<file path=ppt/slides/slide16.xml><?xml version="1.0" encoding="utf-8"?>
 <p:sld xmlns:a="http://schemas.openxmlformats.org/drawingml/2006/main" xmlns:r="http://schemas.openxmlformats.org/officeDocument/2006/relationships" xmlns:p="http://schemas.openxmlformats.org/presentationml/2006/main">
   <p:cSld>
     <p:spTree>
@@ -9056,6 +11078,36 @@
           </a:p>
         </p:txBody>
       </p:sp>
+      <p:pic>
+        <p:nvPicPr>
+          <p:cNvPr id="9" name="그림 8"/>
+          <p:cNvPicPr>
+            <a:picLocks noChangeAspect="1"/>
+          </p:cNvPicPr>
+          <p:nvPr/>
+        </p:nvPicPr>
+        <p:blipFill>
+          <a:blip r:embed="rId2">
+            <a:extLst>
+              <a:ext uri="{28A0092B-C50C-407E-A947-70E740481C1C}">
+                <a14:useLocalDpi xmlns:a14="http://schemas.microsoft.com/office/drawing/2010/main" val="0"/>
+              </a:ext>
+            </a:extLst>
+          </a:blip>
+          <a:stretch>
+            <a:fillRect/>
+          </a:stretch>
+        </p:blipFill>
+        <p:spPr>
+          <a:xfrm>
+            <a:off x="0" y="5619750"/>
+            <a:ext cx="12192000" cy="1238250"/>
+          </a:xfrm>
+          <a:prstGeom prst="rect">
+            <a:avLst/>
+          </a:prstGeom>
+        </p:spPr>
+      </p:pic>
       <p:grpSp>
         <p:nvGrpSpPr>
           <p:cNvPr id="47" name="그룹 46"/>
@@ -11258,6 +13310,643 @@
           <a:chExt cx="0" cy="0"/>
         </a:xfrm>
       </p:grpSpPr>
+      <p:sp>
+        <p:nvSpPr>
+          <p:cNvPr id="3" name="직사각형 2"/>
+          <p:cNvSpPr/>
+          <p:nvPr/>
+        </p:nvSpPr>
+        <p:spPr>
+          <a:xfrm>
+            <a:off x="0" y="0"/>
+            <a:ext cx="12192000" cy="6858000"/>
+          </a:xfrm>
+          <a:prstGeom prst="rect">
+            <a:avLst/>
+          </a:prstGeom>
+          <a:noFill/>
+          <a:ln w="76200">
+            <a:solidFill>
+              <a:srgbClr val="4CA7DE"/>
+            </a:solidFill>
+          </a:ln>
+        </p:spPr>
+        <p:style>
+          <a:lnRef idx="2">
+            <a:schemeClr val="accent1">
+              <a:shade val="50000"/>
+            </a:schemeClr>
+          </a:lnRef>
+          <a:fillRef idx="1">
+            <a:schemeClr val="accent1"/>
+          </a:fillRef>
+          <a:effectRef idx="0">
+            <a:schemeClr val="accent1"/>
+          </a:effectRef>
+          <a:fontRef idx="minor">
+            <a:schemeClr val="lt1"/>
+          </a:fontRef>
+        </p:style>
+        <p:txBody>
+          <a:bodyPr rtlCol="0" anchor="ctr"/>
+          <a:lstStyle/>
+          <a:p>
+            <a:pPr algn="ctr"/>
+            <a:endParaRPr lang="ko-KR" altLang="en-US"/>
+          </a:p>
+        </p:txBody>
+      </p:sp>
+      <p:sp>
+        <p:nvSpPr>
+          <p:cNvPr id="20" name="직사각형 19">
+            <a:extLst>
+              <a:ext uri="{FF2B5EF4-FFF2-40B4-BE49-F238E27FC236}">
+                <a16:creationId xmlns:a16="http://schemas.microsoft.com/office/drawing/2014/main" id="{0DDF8D45-D191-4972-9629-5D0ABA05E118}"/>
+              </a:ext>
+            </a:extLst>
+          </p:cNvPr>
+          <p:cNvSpPr/>
+          <p:nvPr/>
+        </p:nvSpPr>
+        <p:spPr>
+          <a:xfrm>
+            <a:off x="469120" y="-29985"/>
+            <a:ext cx="2734180" cy="757989"/>
+          </a:xfrm>
+          <a:prstGeom prst="rect">
+            <a:avLst/>
+          </a:prstGeom>
+          <a:solidFill>
+            <a:srgbClr val="4CA7DE"/>
+          </a:solidFill>
+          <a:ln>
+            <a:noFill/>
+          </a:ln>
+        </p:spPr>
+        <p:style>
+          <a:lnRef idx="2">
+            <a:schemeClr val="accent1">
+              <a:shade val="50000"/>
+            </a:schemeClr>
+          </a:lnRef>
+          <a:fillRef idx="1">
+            <a:schemeClr val="accent1"/>
+          </a:fillRef>
+          <a:effectRef idx="0">
+            <a:schemeClr val="accent1"/>
+          </a:effectRef>
+          <a:fontRef idx="minor">
+            <a:schemeClr val="lt1"/>
+          </a:fontRef>
+        </p:style>
+        <p:txBody>
+          <a:bodyPr rtlCol="0" anchor="ctr"/>
+          <a:lstStyle/>
+          <a:p>
+            <a:pPr algn="ctr"/>
+            <a:endParaRPr lang="ko-KR" altLang="en-US"/>
+          </a:p>
+        </p:txBody>
+      </p:sp>
+      <p:sp>
+        <p:nvSpPr>
+          <p:cNvPr id="22" name="TextBox 21">
+            <a:extLst>
+              <a:ext uri="{FF2B5EF4-FFF2-40B4-BE49-F238E27FC236}">
+                <a16:creationId xmlns:a16="http://schemas.microsoft.com/office/drawing/2014/main" id="{8F0A19E0-6B46-4C15-80A4-A9DF179C498E}"/>
+              </a:ext>
+            </a:extLst>
+          </p:cNvPr>
+          <p:cNvSpPr txBox="1"/>
+          <p:nvPr/>
+        </p:nvSpPr>
+        <p:spPr>
+          <a:xfrm>
+            <a:off x="517249" y="72442"/>
+            <a:ext cx="2734179" cy="523220"/>
+          </a:xfrm>
+          <a:prstGeom prst="rect">
+            <a:avLst/>
+          </a:prstGeom>
+          <a:noFill/>
+        </p:spPr>
+        <p:txBody>
+          <a:bodyPr wrap="square" rtlCol="0">
+            <a:spAutoFit/>
+          </a:bodyPr>
+          <a:lstStyle/>
+          <a:p>
+            <a:r>
+              <a:rPr lang="en-US" altLang="ko-KR" sz="2800" dirty="0">
+                <a:solidFill>
+                  <a:schemeClr val="bg1"/>
+                </a:solidFill>
+                <a:latin typeface="휴먼둥근헤드라인" panose="02030504000101010101" pitchFamily="18" charset="-127"/>
+                <a:ea typeface="휴먼둥근헤드라인" panose="02030504000101010101" pitchFamily="18" charset="-127"/>
+              </a:rPr>
+              <a:t>02. </a:t>
+            </a:r>
+            <a:r>
+              <a:rPr lang="ko-KR" altLang="en-US" sz="2800" dirty="0">
+                <a:solidFill>
+                  <a:schemeClr val="bg1"/>
+                </a:solidFill>
+                <a:latin typeface="휴먼둥근헤드라인" panose="02030504000101010101" pitchFamily="18" charset="-127"/>
+                <a:ea typeface="휴먼둥근헤드라인" panose="02030504000101010101" pitchFamily="18" charset="-127"/>
+              </a:rPr>
+              <a:t>게임기획</a:t>
+            </a:r>
+          </a:p>
+        </p:txBody>
+      </p:sp>
+      <p:pic>
+        <p:nvPicPr>
+          <p:cNvPr id="10" name="그림 9">
+            <a:extLst>
+              <a:ext uri="{FF2B5EF4-FFF2-40B4-BE49-F238E27FC236}">
+                <a16:creationId xmlns:a16="http://schemas.microsoft.com/office/drawing/2014/main" id="{C2478DF4-AD79-4986-AE26-417711DA1CCD}"/>
+              </a:ext>
+            </a:extLst>
+          </p:cNvPr>
+          <p:cNvPicPr>
+            <a:picLocks noChangeAspect="1"/>
+          </p:cNvPicPr>
+          <p:nvPr/>
+        </p:nvPicPr>
+        <p:blipFill>
+          <a:blip r:embed="rId3">
+            <a:extLst>
+              <a:ext uri="{28A0092B-C50C-407E-A947-70E740481C1C}">
+                <a14:useLocalDpi xmlns:a14="http://schemas.microsoft.com/office/drawing/2010/main" val="0"/>
+              </a:ext>
+            </a:extLst>
+          </a:blip>
+          <a:stretch>
+            <a:fillRect/>
+          </a:stretch>
+        </p:blipFill>
+        <p:spPr>
+          <a:xfrm>
+            <a:off x="10458954" y="0"/>
+            <a:ext cx="1781175" cy="1314450"/>
+          </a:xfrm>
+          <a:prstGeom prst="rect">
+            <a:avLst/>
+          </a:prstGeom>
+        </p:spPr>
+      </p:pic>
+      <p:pic>
+        <p:nvPicPr>
+          <p:cNvPr id="23" name="그림 22">
+            <a:extLst>
+              <a:ext uri="{FF2B5EF4-FFF2-40B4-BE49-F238E27FC236}">
+                <a16:creationId xmlns:a16="http://schemas.microsoft.com/office/drawing/2014/main" id="{A11BE8D5-B9FB-48AF-95BE-8023E6E0BD4B}"/>
+              </a:ext>
+            </a:extLst>
+          </p:cNvPr>
+          <p:cNvPicPr>
+            <a:picLocks noChangeAspect="1"/>
+          </p:cNvPicPr>
+          <p:nvPr/>
+        </p:nvPicPr>
+        <p:blipFill>
+          <a:blip r:embed="rId4">
+            <a:extLst>
+              <a:ext uri="{28A0092B-C50C-407E-A947-70E740481C1C}">
+                <a14:useLocalDpi xmlns:a14="http://schemas.microsoft.com/office/drawing/2010/main" val="0"/>
+              </a:ext>
+            </a:extLst>
+          </a:blip>
+          <a:stretch>
+            <a:fillRect/>
+          </a:stretch>
+        </p:blipFill>
+        <p:spPr>
+          <a:xfrm>
+            <a:off x="7037854" y="2106988"/>
+            <a:ext cx="4640263" cy="3285760"/>
+          </a:xfrm>
+          <a:prstGeom prst="rect">
+            <a:avLst/>
+          </a:prstGeom>
+        </p:spPr>
+      </p:pic>
+      <p:sp>
+        <p:nvSpPr>
+          <p:cNvPr id="24" name="화살표: 오른쪽 23">
+            <a:extLst>
+              <a:ext uri="{FF2B5EF4-FFF2-40B4-BE49-F238E27FC236}">
+                <a16:creationId xmlns:a16="http://schemas.microsoft.com/office/drawing/2014/main" id="{F04C94C0-0CEA-4EBD-B32F-9CECD7A1A533}"/>
+              </a:ext>
+            </a:extLst>
+          </p:cNvPr>
+          <p:cNvSpPr/>
+          <p:nvPr/>
+        </p:nvSpPr>
+        <p:spPr>
+          <a:xfrm>
+            <a:off x="5697829" y="3355118"/>
+            <a:ext cx="1172066" cy="592494"/>
+          </a:xfrm>
+          <a:prstGeom prst="rightArrow">
+            <a:avLst/>
+          </a:prstGeom>
+          <a:solidFill>
+            <a:srgbClr val="4CA7DE"/>
+          </a:solidFill>
+          <a:ln>
+            <a:noFill/>
+          </a:ln>
+        </p:spPr>
+        <p:style>
+          <a:lnRef idx="2">
+            <a:schemeClr val="accent1">
+              <a:shade val="50000"/>
+            </a:schemeClr>
+          </a:lnRef>
+          <a:fillRef idx="1">
+            <a:schemeClr val="accent1"/>
+          </a:fillRef>
+          <a:effectRef idx="0">
+            <a:schemeClr val="accent1"/>
+          </a:effectRef>
+          <a:fontRef idx="minor">
+            <a:schemeClr val="lt1"/>
+          </a:fontRef>
+        </p:style>
+        <p:txBody>
+          <a:bodyPr rtlCol="0" anchor="ctr"/>
+          <a:lstStyle/>
+          <a:p>
+            <a:pPr algn="ctr"/>
+            <a:endParaRPr lang="ko-KR" altLang="en-US"/>
+          </a:p>
+        </p:txBody>
+      </p:sp>
+      <p:sp>
+        <p:nvSpPr>
+          <p:cNvPr id="2" name="직사각형 1">
+            <a:extLst>
+              <a:ext uri="{FF2B5EF4-FFF2-40B4-BE49-F238E27FC236}">
+                <a16:creationId xmlns:a16="http://schemas.microsoft.com/office/drawing/2014/main" id="{C6A3EA12-6772-41BC-A5E9-BF9944837F54}"/>
+              </a:ext>
+            </a:extLst>
+          </p:cNvPr>
+          <p:cNvSpPr/>
+          <p:nvPr/>
+        </p:nvSpPr>
+        <p:spPr>
+          <a:xfrm>
+            <a:off x="320627" y="3070600"/>
+            <a:ext cx="939113" cy="1161535"/>
+          </a:xfrm>
+          <a:prstGeom prst="rect">
+            <a:avLst/>
+          </a:prstGeom>
+          <a:solidFill>
+            <a:srgbClr val="92D050"/>
+          </a:solidFill>
+          <a:ln>
+            <a:solidFill>
+              <a:schemeClr val="accent6">
+                <a:lumMod val="75000"/>
+              </a:schemeClr>
+            </a:solidFill>
+          </a:ln>
+        </p:spPr>
+        <p:style>
+          <a:lnRef idx="2">
+            <a:schemeClr val="accent1">
+              <a:shade val="50000"/>
+            </a:schemeClr>
+          </a:lnRef>
+          <a:fillRef idx="1">
+            <a:schemeClr val="accent1"/>
+          </a:fillRef>
+          <a:effectRef idx="0">
+            <a:schemeClr val="accent1"/>
+          </a:effectRef>
+          <a:fontRef idx="minor">
+            <a:schemeClr val="lt1"/>
+          </a:fontRef>
+        </p:style>
+        <p:txBody>
+          <a:bodyPr rtlCol="0" anchor="ctr"/>
+          <a:lstStyle/>
+          <a:p>
+            <a:pPr algn="ctr"/>
+            <a:endParaRPr lang="ko-KR" altLang="en-US"/>
+          </a:p>
+        </p:txBody>
+      </p:sp>
+      <p:sp>
+        <p:nvSpPr>
+          <p:cNvPr id="25" name="직사각형 24">
+            <a:extLst>
+              <a:ext uri="{FF2B5EF4-FFF2-40B4-BE49-F238E27FC236}">
+                <a16:creationId xmlns:a16="http://schemas.microsoft.com/office/drawing/2014/main" id="{8243D955-937A-466B-8975-08EE4F0C48A4}"/>
+              </a:ext>
+            </a:extLst>
+          </p:cNvPr>
+          <p:cNvSpPr/>
+          <p:nvPr/>
+        </p:nvSpPr>
+        <p:spPr>
+          <a:xfrm>
+            <a:off x="1366653" y="3070599"/>
+            <a:ext cx="939113" cy="1161535"/>
+          </a:xfrm>
+          <a:prstGeom prst="rect">
+            <a:avLst/>
+          </a:prstGeom>
+          <a:solidFill>
+            <a:srgbClr val="92D050"/>
+          </a:solidFill>
+          <a:ln>
+            <a:solidFill>
+              <a:schemeClr val="accent6">
+                <a:lumMod val="75000"/>
+              </a:schemeClr>
+            </a:solidFill>
+          </a:ln>
+        </p:spPr>
+        <p:style>
+          <a:lnRef idx="2">
+            <a:schemeClr val="accent1">
+              <a:shade val="50000"/>
+            </a:schemeClr>
+          </a:lnRef>
+          <a:fillRef idx="1">
+            <a:schemeClr val="accent1"/>
+          </a:fillRef>
+          <a:effectRef idx="0">
+            <a:schemeClr val="accent1"/>
+          </a:effectRef>
+          <a:fontRef idx="minor">
+            <a:schemeClr val="lt1"/>
+          </a:fontRef>
+        </p:style>
+        <p:txBody>
+          <a:bodyPr rtlCol="0" anchor="ctr"/>
+          <a:lstStyle/>
+          <a:p>
+            <a:pPr algn="ctr"/>
+            <a:endParaRPr lang="ko-KR" altLang="en-US"/>
+          </a:p>
+        </p:txBody>
+      </p:sp>
+      <p:sp>
+        <p:nvSpPr>
+          <p:cNvPr id="26" name="직사각형 25">
+            <a:extLst>
+              <a:ext uri="{FF2B5EF4-FFF2-40B4-BE49-F238E27FC236}">
+                <a16:creationId xmlns:a16="http://schemas.microsoft.com/office/drawing/2014/main" id="{D876CAC3-DA08-46A4-8514-F144AE1196FC}"/>
+              </a:ext>
+            </a:extLst>
+          </p:cNvPr>
+          <p:cNvSpPr/>
+          <p:nvPr/>
+        </p:nvSpPr>
+        <p:spPr>
+          <a:xfrm>
+            <a:off x="2427936" y="3070598"/>
+            <a:ext cx="939113" cy="1161535"/>
+          </a:xfrm>
+          <a:prstGeom prst="rect">
+            <a:avLst/>
+          </a:prstGeom>
+          <a:solidFill>
+            <a:srgbClr val="92D050"/>
+          </a:solidFill>
+          <a:ln>
+            <a:solidFill>
+              <a:schemeClr val="accent6">
+                <a:lumMod val="75000"/>
+              </a:schemeClr>
+            </a:solidFill>
+          </a:ln>
+        </p:spPr>
+        <p:style>
+          <a:lnRef idx="2">
+            <a:schemeClr val="accent1">
+              <a:shade val="50000"/>
+            </a:schemeClr>
+          </a:lnRef>
+          <a:fillRef idx="1">
+            <a:schemeClr val="accent1"/>
+          </a:fillRef>
+          <a:effectRef idx="0">
+            <a:schemeClr val="accent1"/>
+          </a:effectRef>
+          <a:fontRef idx="minor">
+            <a:schemeClr val="lt1"/>
+          </a:fontRef>
+        </p:style>
+        <p:txBody>
+          <a:bodyPr rtlCol="0" anchor="ctr"/>
+          <a:lstStyle/>
+          <a:p>
+            <a:pPr algn="ctr"/>
+            <a:endParaRPr lang="ko-KR" altLang="en-US"/>
+          </a:p>
+        </p:txBody>
+      </p:sp>
+      <p:sp>
+        <p:nvSpPr>
+          <p:cNvPr id="27" name="직사각형 26">
+            <a:extLst>
+              <a:ext uri="{FF2B5EF4-FFF2-40B4-BE49-F238E27FC236}">
+                <a16:creationId xmlns:a16="http://schemas.microsoft.com/office/drawing/2014/main" id="{FF9AC0C5-CB44-444E-8DEE-949BF9861C7B}"/>
+              </a:ext>
+            </a:extLst>
+          </p:cNvPr>
+          <p:cNvSpPr/>
+          <p:nvPr/>
+        </p:nvSpPr>
+        <p:spPr>
+          <a:xfrm>
+            <a:off x="3473962" y="3070598"/>
+            <a:ext cx="939113" cy="1161535"/>
+          </a:xfrm>
+          <a:prstGeom prst="rect">
+            <a:avLst/>
+          </a:prstGeom>
+          <a:solidFill>
+            <a:srgbClr val="92D050"/>
+          </a:solidFill>
+          <a:ln>
+            <a:solidFill>
+              <a:schemeClr val="accent6">
+                <a:lumMod val="75000"/>
+              </a:schemeClr>
+            </a:solidFill>
+          </a:ln>
+        </p:spPr>
+        <p:style>
+          <a:lnRef idx="2">
+            <a:schemeClr val="accent1">
+              <a:shade val="50000"/>
+            </a:schemeClr>
+          </a:lnRef>
+          <a:fillRef idx="1">
+            <a:schemeClr val="accent1"/>
+          </a:fillRef>
+          <a:effectRef idx="0">
+            <a:schemeClr val="accent1"/>
+          </a:effectRef>
+          <a:fontRef idx="minor">
+            <a:schemeClr val="lt1"/>
+          </a:fontRef>
+        </p:style>
+        <p:txBody>
+          <a:bodyPr rtlCol="0" anchor="ctr"/>
+          <a:lstStyle/>
+          <a:p>
+            <a:pPr algn="ctr"/>
+            <a:endParaRPr lang="ko-KR" altLang="en-US"/>
+          </a:p>
+        </p:txBody>
+      </p:sp>
+      <p:sp>
+        <p:nvSpPr>
+          <p:cNvPr id="28" name="직사각형 27">
+            <a:extLst>
+              <a:ext uri="{FF2B5EF4-FFF2-40B4-BE49-F238E27FC236}">
+                <a16:creationId xmlns:a16="http://schemas.microsoft.com/office/drawing/2014/main" id="{F90EEFC5-9978-49D1-9EFB-E74D954875BB}"/>
+              </a:ext>
+            </a:extLst>
+          </p:cNvPr>
+          <p:cNvSpPr/>
+          <p:nvPr/>
+        </p:nvSpPr>
+        <p:spPr>
+          <a:xfrm>
+            <a:off x="4517409" y="3070598"/>
+            <a:ext cx="939113" cy="1161535"/>
+          </a:xfrm>
+          <a:prstGeom prst="rect">
+            <a:avLst/>
+          </a:prstGeom>
+          <a:solidFill>
+            <a:srgbClr val="92D050"/>
+          </a:solidFill>
+          <a:ln>
+            <a:solidFill>
+              <a:schemeClr val="accent6">
+                <a:lumMod val="75000"/>
+              </a:schemeClr>
+            </a:solidFill>
+          </a:ln>
+        </p:spPr>
+        <p:style>
+          <a:lnRef idx="2">
+            <a:schemeClr val="accent1">
+              <a:shade val="50000"/>
+            </a:schemeClr>
+          </a:lnRef>
+          <a:fillRef idx="1">
+            <a:schemeClr val="accent1"/>
+          </a:fillRef>
+          <a:effectRef idx="0">
+            <a:schemeClr val="accent1"/>
+          </a:effectRef>
+          <a:fontRef idx="minor">
+            <a:schemeClr val="lt1"/>
+          </a:fontRef>
+        </p:style>
+        <p:txBody>
+          <a:bodyPr rtlCol="0" anchor="ctr"/>
+          <a:lstStyle/>
+          <a:p>
+            <a:pPr algn="ctr"/>
+            <a:endParaRPr lang="ko-KR" altLang="en-US"/>
+          </a:p>
+        </p:txBody>
+      </p:sp>
+      <p:sp>
+        <p:nvSpPr>
+          <p:cNvPr id="4" name="화살표: 아래쪽 3">
+            <a:extLst>
+              <a:ext uri="{FF2B5EF4-FFF2-40B4-BE49-F238E27FC236}">
+                <a16:creationId xmlns:a16="http://schemas.microsoft.com/office/drawing/2014/main" id="{B7E3CA8A-93DD-469A-ABBC-B237510F5E14}"/>
+              </a:ext>
+            </a:extLst>
+          </p:cNvPr>
+          <p:cNvSpPr/>
+          <p:nvPr/>
+        </p:nvSpPr>
+        <p:spPr>
+          <a:xfrm>
+            <a:off x="2594919" y="1927654"/>
+            <a:ext cx="656509" cy="852616"/>
+          </a:xfrm>
+          <a:prstGeom prst="downArrow">
+            <a:avLst/>
+          </a:prstGeom>
+          <a:solidFill>
+            <a:srgbClr val="FF0000"/>
+          </a:solidFill>
+          <a:ln>
+            <a:solidFill>
+              <a:srgbClr val="C00000"/>
+            </a:solidFill>
+          </a:ln>
+        </p:spPr>
+        <p:style>
+          <a:lnRef idx="2">
+            <a:schemeClr val="accent1">
+              <a:shade val="50000"/>
+            </a:schemeClr>
+          </a:lnRef>
+          <a:fillRef idx="1">
+            <a:schemeClr val="accent1"/>
+          </a:fillRef>
+          <a:effectRef idx="0">
+            <a:schemeClr val="accent1"/>
+          </a:effectRef>
+          <a:fontRef idx="minor">
+            <a:schemeClr val="lt1"/>
+          </a:fontRef>
+        </p:style>
+        <p:txBody>
+          <a:bodyPr rtlCol="0" anchor="ctr"/>
+          <a:lstStyle/>
+          <a:p>
+            <a:pPr algn="ctr"/>
+            <a:endParaRPr lang="ko-KR" altLang="en-US"/>
+          </a:p>
+        </p:txBody>
+      </p:sp>
+    </p:spTree>
+    <p:extLst>
+      <p:ext uri="{BB962C8B-B14F-4D97-AF65-F5344CB8AC3E}">
+        <p14:creationId xmlns:p14="http://schemas.microsoft.com/office/powerpoint/2010/main" val="175876872"/>
+      </p:ext>
+    </p:extLst>
+  </p:cSld>
+  <p:clrMapOvr>
+    <a:masterClrMapping/>
+  </p:clrMapOvr>
+</p:sld>
+</file>
+
+<file path=ppt/slides/slide8.xml><?xml version="1.0" encoding="utf-8"?>
+<p:sld xmlns:a="http://schemas.openxmlformats.org/drawingml/2006/main" xmlns:r="http://schemas.openxmlformats.org/officeDocument/2006/relationships" xmlns:p="http://schemas.openxmlformats.org/presentationml/2006/main">
+  <p:cSld>
+    <p:spTree>
+      <p:nvGrpSpPr>
+        <p:cNvPr id="1" name=""/>
+        <p:cNvGrpSpPr/>
+        <p:nvPr/>
+      </p:nvGrpSpPr>
+      <p:grpSpPr>
+        <a:xfrm>
+          <a:off x="0" y="0"/>
+          <a:ext cx="0" cy="0"/>
+          <a:chOff x="0" y="0"/>
+          <a:chExt cx="0" cy="0"/>
+        </a:xfrm>
+      </p:grpSpPr>
       <p:pic>
         <p:nvPicPr>
           <p:cNvPr id="13" name="그림 12">
@@ -12229,7 +14918,7 @@
 </p:sld>
 </file>
 
-<file path=ppt/slides/slide8.xml><?xml version="1.0" encoding="utf-8"?>
+<file path=ppt/slides/slide9.xml><?xml version="1.0" encoding="utf-8"?>
 <p:sld xmlns:a="http://schemas.openxmlformats.org/drawingml/2006/main" xmlns:r="http://schemas.openxmlformats.org/officeDocument/2006/relationships" xmlns:p="http://schemas.openxmlformats.org/presentationml/2006/main">
   <p:cSld>
     <p:spTree>
@@ -12535,1778 +15224,6 @@
   <p:clrMapOvr>
     <a:masterClrMapping/>
   </p:clrMapOvr>
-</p:sld>
-</file>
-
-<file path=ppt/slides/slide9.xml><?xml version="1.0" encoding="utf-8"?>
-<p:sld xmlns:a="http://schemas.openxmlformats.org/drawingml/2006/main" xmlns:r="http://schemas.openxmlformats.org/officeDocument/2006/relationships" xmlns:p="http://schemas.openxmlformats.org/presentationml/2006/main">
-  <p:cSld>
-    <p:spTree>
-      <p:nvGrpSpPr>
-        <p:cNvPr id="1" name=""/>
-        <p:cNvGrpSpPr/>
-        <p:nvPr/>
-      </p:nvGrpSpPr>
-      <p:grpSpPr>
-        <a:xfrm>
-          <a:off x="0" y="0"/>
-          <a:ext cx="0" cy="0"/>
-          <a:chOff x="0" y="0"/>
-          <a:chExt cx="0" cy="0"/>
-        </a:xfrm>
-      </p:grpSpPr>
-      <p:sp>
-        <p:nvSpPr>
-          <p:cNvPr id="3" name="직사각형 2"/>
-          <p:cNvSpPr/>
-          <p:nvPr/>
-        </p:nvSpPr>
-        <p:spPr>
-          <a:xfrm>
-            <a:off x="0" y="0"/>
-            <a:ext cx="12192000" cy="6858000"/>
-          </a:xfrm>
-          <a:prstGeom prst="rect">
-            <a:avLst/>
-          </a:prstGeom>
-          <a:noFill/>
-          <a:ln w="76200">
-            <a:solidFill>
-              <a:srgbClr val="4CA7DE"/>
-            </a:solidFill>
-          </a:ln>
-        </p:spPr>
-        <p:style>
-          <a:lnRef idx="2">
-            <a:schemeClr val="accent1">
-              <a:shade val="50000"/>
-            </a:schemeClr>
-          </a:lnRef>
-          <a:fillRef idx="1">
-            <a:schemeClr val="accent1"/>
-          </a:fillRef>
-          <a:effectRef idx="0">
-            <a:schemeClr val="accent1"/>
-          </a:effectRef>
-          <a:fontRef idx="minor">
-            <a:schemeClr val="lt1"/>
-          </a:fontRef>
-        </p:style>
-        <p:txBody>
-          <a:bodyPr rtlCol="0" anchor="ctr"/>
-          <a:lstStyle/>
-          <a:p>
-            <a:pPr algn="ctr"/>
-            <a:endParaRPr lang="ko-KR" altLang="en-US"/>
-          </a:p>
-        </p:txBody>
-      </p:sp>
-      <p:sp>
-        <p:nvSpPr>
-          <p:cNvPr id="30" name="화살표: 오른쪽 29">
-            <a:extLst>
-              <a:ext uri="{FF2B5EF4-FFF2-40B4-BE49-F238E27FC236}">
-                <a16:creationId xmlns:a16="http://schemas.microsoft.com/office/drawing/2014/main" id="{D75DCB22-8191-428D-808C-4D06023E9C39}"/>
-              </a:ext>
-            </a:extLst>
-          </p:cNvPr>
-          <p:cNvSpPr/>
-          <p:nvPr/>
-        </p:nvSpPr>
-        <p:spPr>
-          <a:xfrm>
-            <a:off x="5238078" y="3429000"/>
-            <a:ext cx="1172066" cy="592494"/>
-          </a:xfrm>
-          <a:prstGeom prst="rightArrow">
-            <a:avLst/>
-          </a:prstGeom>
-          <a:solidFill>
-            <a:srgbClr val="4CA7DE"/>
-          </a:solidFill>
-          <a:ln>
-            <a:noFill/>
-          </a:ln>
-        </p:spPr>
-        <p:style>
-          <a:lnRef idx="2">
-            <a:schemeClr val="accent1">
-              <a:shade val="50000"/>
-            </a:schemeClr>
-          </a:lnRef>
-          <a:fillRef idx="1">
-            <a:schemeClr val="accent1"/>
-          </a:fillRef>
-          <a:effectRef idx="0">
-            <a:schemeClr val="accent1"/>
-          </a:effectRef>
-          <a:fontRef idx="minor">
-            <a:schemeClr val="lt1"/>
-          </a:fontRef>
-        </p:style>
-        <p:txBody>
-          <a:bodyPr rtlCol="0" anchor="ctr"/>
-          <a:lstStyle/>
-          <a:p>
-            <a:pPr algn="ctr"/>
-            <a:endParaRPr lang="ko-KR" altLang="en-US"/>
-          </a:p>
-        </p:txBody>
-      </p:sp>
-      <p:pic>
-        <p:nvPicPr>
-          <p:cNvPr id="45" name="그림 44"/>
-          <p:cNvPicPr>
-            <a:picLocks noChangeAspect="1"/>
-          </p:cNvPicPr>
-          <p:nvPr/>
-        </p:nvPicPr>
-        <p:blipFill>
-          <a:blip r:embed="rId3">
-            <a:extLst>
-              <a:ext uri="{28A0092B-C50C-407E-A947-70E740481C1C}">
-                <a14:useLocalDpi xmlns:a14="http://schemas.microsoft.com/office/drawing/2010/main" val="0"/>
-              </a:ext>
-            </a:extLst>
-          </a:blip>
-          <a:stretch>
-            <a:fillRect/>
-          </a:stretch>
-        </p:blipFill>
-        <p:spPr>
-          <a:xfrm>
-            <a:off x="10507598" y="29995"/>
-            <a:ext cx="1606023" cy="1185194"/>
-          </a:xfrm>
-          <a:prstGeom prst="rect">
-            <a:avLst/>
-          </a:prstGeom>
-        </p:spPr>
-      </p:pic>
-      <p:sp>
-        <p:nvSpPr>
-          <p:cNvPr id="20" name="직사각형 19">
-            <a:extLst>
-              <a:ext uri="{FF2B5EF4-FFF2-40B4-BE49-F238E27FC236}">
-                <a16:creationId xmlns:a16="http://schemas.microsoft.com/office/drawing/2014/main" id="{0DDF8D45-D191-4972-9629-5D0ABA05E118}"/>
-              </a:ext>
-            </a:extLst>
-          </p:cNvPr>
-          <p:cNvSpPr/>
-          <p:nvPr/>
-        </p:nvSpPr>
-        <p:spPr>
-          <a:xfrm>
-            <a:off x="469120" y="-29985"/>
-            <a:ext cx="2734180" cy="757989"/>
-          </a:xfrm>
-          <a:prstGeom prst="rect">
-            <a:avLst/>
-          </a:prstGeom>
-          <a:solidFill>
-            <a:srgbClr val="4CA7DE"/>
-          </a:solidFill>
-          <a:ln>
-            <a:noFill/>
-          </a:ln>
-        </p:spPr>
-        <p:style>
-          <a:lnRef idx="2">
-            <a:schemeClr val="accent1">
-              <a:shade val="50000"/>
-            </a:schemeClr>
-          </a:lnRef>
-          <a:fillRef idx="1">
-            <a:schemeClr val="accent1"/>
-          </a:fillRef>
-          <a:effectRef idx="0">
-            <a:schemeClr val="accent1"/>
-          </a:effectRef>
-          <a:fontRef idx="minor">
-            <a:schemeClr val="lt1"/>
-          </a:fontRef>
-        </p:style>
-        <p:txBody>
-          <a:bodyPr rtlCol="0" anchor="ctr"/>
-          <a:lstStyle/>
-          <a:p>
-            <a:pPr algn="ctr"/>
-            <a:endParaRPr lang="ko-KR" altLang="en-US"/>
-          </a:p>
-        </p:txBody>
-      </p:sp>
-      <p:grpSp>
-        <p:nvGrpSpPr>
-          <p:cNvPr id="21" name="그룹 20">
-            <a:extLst>
-              <a:ext uri="{FF2B5EF4-FFF2-40B4-BE49-F238E27FC236}">
-                <a16:creationId xmlns:a16="http://schemas.microsoft.com/office/drawing/2014/main" id="{EF50260B-DEBB-4C51-B089-32386050B120}"/>
-              </a:ext>
-            </a:extLst>
-          </p:cNvPr>
-          <p:cNvGrpSpPr/>
-          <p:nvPr/>
-        </p:nvGrpSpPr>
-        <p:grpSpPr>
-          <a:xfrm>
-            <a:off x="517249" y="72442"/>
-            <a:ext cx="3834355" cy="556902"/>
-            <a:chOff x="7996226" y="1139286"/>
-            <a:chExt cx="3834355" cy="556902"/>
-          </a:xfrm>
-        </p:grpSpPr>
-        <p:sp>
-          <p:nvSpPr>
-            <p:cNvPr id="22" name="TextBox 21">
-              <a:extLst>
-                <a:ext uri="{FF2B5EF4-FFF2-40B4-BE49-F238E27FC236}">
-                  <a16:creationId xmlns:a16="http://schemas.microsoft.com/office/drawing/2014/main" id="{8F0A19E0-6B46-4C15-80A4-A9DF179C498E}"/>
-                </a:ext>
-              </a:extLst>
-            </p:cNvPr>
-            <p:cNvSpPr txBox="1"/>
-            <p:nvPr/>
-          </p:nvSpPr>
-          <p:spPr>
-            <a:xfrm>
-              <a:off x="7996226" y="1139286"/>
-              <a:ext cx="2734179" cy="523220"/>
-            </a:xfrm>
-            <a:prstGeom prst="rect">
-              <a:avLst/>
-            </a:prstGeom>
-            <a:noFill/>
-          </p:spPr>
-          <p:txBody>
-            <a:bodyPr wrap="square" rtlCol="0">
-              <a:spAutoFit/>
-            </a:bodyPr>
-            <a:lstStyle/>
-            <a:p>
-              <a:r>
-                <a:rPr lang="en-US" altLang="ko-KR" sz="2800" dirty="0">
-                  <a:solidFill>
-                    <a:schemeClr val="bg1"/>
-                  </a:solidFill>
-                  <a:latin typeface="휴먼둥근헤드라인" panose="02030504000101010101" pitchFamily="18" charset="-127"/>
-                  <a:ea typeface="휴먼둥근헤드라인" panose="02030504000101010101" pitchFamily="18" charset="-127"/>
-                </a:rPr>
-                <a:t>03. </a:t>
-              </a:r>
-              <a:r>
-                <a:rPr lang="ko-KR" altLang="en-US" sz="2800" dirty="0">
-                  <a:solidFill>
-                    <a:schemeClr val="bg1"/>
-                  </a:solidFill>
-                  <a:latin typeface="휴먼둥근헤드라인" panose="02030504000101010101" pitchFamily="18" charset="-127"/>
-                  <a:ea typeface="휴먼둥근헤드라인" panose="02030504000101010101" pitchFamily="18" charset="-127"/>
-                </a:rPr>
-                <a:t>보드게임</a:t>
-              </a:r>
-            </a:p>
-          </p:txBody>
-        </p:sp>
-        <p:sp>
-          <p:nvSpPr>
-            <p:cNvPr id="23" name="TextBox 22">
-              <a:extLst>
-                <a:ext uri="{FF2B5EF4-FFF2-40B4-BE49-F238E27FC236}">
-                  <a16:creationId xmlns:a16="http://schemas.microsoft.com/office/drawing/2014/main" id="{809A7477-B593-425D-ABCD-9308DA63D4C1}"/>
-                </a:ext>
-              </a:extLst>
-            </p:cNvPr>
-            <p:cNvSpPr txBox="1"/>
-            <p:nvPr/>
-          </p:nvSpPr>
-          <p:spPr>
-            <a:xfrm>
-              <a:off x="10712967" y="1234523"/>
-              <a:ext cx="1117614" cy="461665"/>
-            </a:xfrm>
-            <a:prstGeom prst="rect">
-              <a:avLst/>
-            </a:prstGeom>
-            <a:noFill/>
-          </p:spPr>
-          <p:txBody>
-            <a:bodyPr wrap="none" rtlCol="0">
-              <a:spAutoFit/>
-            </a:bodyPr>
-            <a:lstStyle/>
-            <a:p>
-              <a:r>
-                <a:rPr lang="en-US" altLang="ko-KR" sz="2400" dirty="0">
-                  <a:solidFill>
-                    <a:schemeClr val="accent3"/>
-                  </a:solidFill>
-                  <a:latin typeface="휴먼둥근헤드라인" panose="02030504000101010101" pitchFamily="18" charset="-127"/>
-                  <a:ea typeface="휴먼둥근헤드라인" panose="02030504000101010101" pitchFamily="18" charset="-127"/>
-                </a:rPr>
-                <a:t>-</a:t>
-              </a:r>
-              <a:r>
-                <a:rPr lang="ko-KR" altLang="en-US" sz="2400" dirty="0">
-                  <a:solidFill>
-                    <a:schemeClr val="accent3"/>
-                  </a:solidFill>
-                  <a:latin typeface="휴먼둥근헤드라인" panose="02030504000101010101" pitchFamily="18" charset="-127"/>
-                  <a:ea typeface="휴먼둥근헤드라인" panose="02030504000101010101" pitchFamily="18" charset="-127"/>
-                </a:rPr>
-                <a:t> 관점</a:t>
-              </a:r>
-            </a:p>
-          </p:txBody>
-        </p:sp>
-      </p:grpSp>
-      <p:pic>
-        <p:nvPicPr>
-          <p:cNvPr id="13" name="그림 12">
-            <a:extLst>
-              <a:ext uri="{FF2B5EF4-FFF2-40B4-BE49-F238E27FC236}">
-                <a16:creationId xmlns:a16="http://schemas.microsoft.com/office/drawing/2014/main" id="{E2F3E463-C8E1-409D-A891-5FD684831101}"/>
-              </a:ext>
-            </a:extLst>
-          </p:cNvPr>
-          <p:cNvPicPr>
-            <a:picLocks noChangeAspect="1"/>
-          </p:cNvPicPr>
-          <p:nvPr/>
-        </p:nvPicPr>
-        <p:blipFill>
-          <a:blip r:embed="rId4">
-            <a:extLst>
-              <a:ext uri="{28A0092B-C50C-407E-A947-70E740481C1C}">
-                <a14:useLocalDpi xmlns:a14="http://schemas.microsoft.com/office/drawing/2010/main" val="0"/>
-              </a:ext>
-            </a:extLst>
-          </a:blip>
-          <a:stretch>
-            <a:fillRect/>
-          </a:stretch>
-        </p:blipFill>
-        <p:spPr>
-          <a:xfrm>
-            <a:off x="672767" y="1541122"/>
-            <a:ext cx="4243197" cy="4243197"/>
-          </a:xfrm>
-          <a:prstGeom prst="rect">
-            <a:avLst/>
-          </a:prstGeom>
-        </p:spPr>
-      </p:pic>
-      <p:sp>
-        <p:nvSpPr>
-          <p:cNvPr id="14" name="타원 13">
-            <a:extLst>
-              <a:ext uri="{FF2B5EF4-FFF2-40B4-BE49-F238E27FC236}">
-                <a16:creationId xmlns:a16="http://schemas.microsoft.com/office/drawing/2014/main" id="{47D38B01-38BB-48F7-B764-0064906F5773}"/>
-              </a:ext>
-            </a:extLst>
-          </p:cNvPr>
-          <p:cNvSpPr/>
-          <p:nvPr/>
-        </p:nvSpPr>
-        <p:spPr>
-          <a:xfrm>
-            <a:off x="1040129" y="4309731"/>
-            <a:ext cx="3600451" cy="1504573"/>
-          </a:xfrm>
-          <a:prstGeom prst="ellipse">
-            <a:avLst/>
-          </a:prstGeom>
-          <a:noFill/>
-          <a:ln w="76200">
-            <a:solidFill>
-              <a:srgbClr val="FF0000"/>
-            </a:solidFill>
-          </a:ln>
-        </p:spPr>
-        <p:style>
-          <a:lnRef idx="2">
-            <a:schemeClr val="accent1">
-              <a:shade val="50000"/>
-            </a:schemeClr>
-          </a:lnRef>
-          <a:fillRef idx="1">
-            <a:schemeClr val="accent1"/>
-          </a:fillRef>
-          <a:effectRef idx="0">
-            <a:schemeClr val="accent1"/>
-          </a:effectRef>
-          <a:fontRef idx="minor">
-            <a:schemeClr val="lt1"/>
-          </a:fontRef>
-        </p:style>
-        <p:txBody>
-          <a:bodyPr rtlCol="0" anchor="ctr"/>
-          <a:lstStyle/>
-          <a:p>
-            <a:pPr algn="ctr"/>
-            <a:endParaRPr lang="ko-KR" altLang="en-US" dirty="0"/>
-          </a:p>
-        </p:txBody>
-      </p:sp>
-      <p:grpSp>
-        <p:nvGrpSpPr>
-          <p:cNvPr id="64" name="그룹 63">
-            <a:extLst>
-              <a:ext uri="{FF2B5EF4-FFF2-40B4-BE49-F238E27FC236}">
-                <a16:creationId xmlns:a16="http://schemas.microsoft.com/office/drawing/2014/main" id="{A626CB29-4311-4E8F-894E-0C0A31DA2F9B}"/>
-              </a:ext>
-            </a:extLst>
-          </p:cNvPr>
-          <p:cNvGrpSpPr/>
-          <p:nvPr/>
-        </p:nvGrpSpPr>
-        <p:grpSpPr>
-          <a:xfrm rot="16200000">
-            <a:off x="7692831" y="3565488"/>
-            <a:ext cx="1887886" cy="1996961"/>
-            <a:chOff x="6868376" y="1639394"/>
-            <a:chExt cx="2913763" cy="2700000"/>
-          </a:xfrm>
-        </p:grpSpPr>
-        <p:sp>
-          <p:nvSpPr>
-            <p:cNvPr id="50" name="직사각형 49">
-              <a:extLst>
-                <a:ext uri="{FF2B5EF4-FFF2-40B4-BE49-F238E27FC236}">
-                  <a16:creationId xmlns:a16="http://schemas.microsoft.com/office/drawing/2014/main" id="{3D2B06E8-D182-4291-8581-2FA7379AC0C0}"/>
-                </a:ext>
-              </a:extLst>
-            </p:cNvPr>
-            <p:cNvSpPr/>
-            <p:nvPr/>
-          </p:nvSpPr>
-          <p:spPr>
-            <a:xfrm>
-              <a:off x="6868376" y="1639394"/>
-              <a:ext cx="2913761" cy="2700000"/>
-            </a:xfrm>
-            <a:prstGeom prst="rect">
-              <a:avLst/>
-            </a:prstGeom>
-            <a:solidFill>
-              <a:schemeClr val="accent6"/>
-            </a:solidFill>
-            <a:ln w="63500">
-              <a:solidFill>
-                <a:schemeClr val="accent6">
-                  <a:lumMod val="75000"/>
-                </a:schemeClr>
-              </a:solidFill>
-            </a:ln>
-          </p:spPr>
-          <p:style>
-            <a:lnRef idx="2">
-              <a:schemeClr val="accent1">
-                <a:shade val="50000"/>
-              </a:schemeClr>
-            </a:lnRef>
-            <a:fillRef idx="1">
-              <a:schemeClr val="accent1"/>
-            </a:fillRef>
-            <a:effectRef idx="0">
-              <a:schemeClr val="accent1"/>
-            </a:effectRef>
-            <a:fontRef idx="minor">
-              <a:schemeClr val="lt1"/>
-            </a:fontRef>
-          </p:style>
-          <p:txBody>
-            <a:bodyPr rtlCol="0" anchor="ctr"/>
-            <a:lstStyle/>
-            <a:p>
-              <a:pPr algn="ctr"/>
-              <a:endParaRPr lang="ko-KR" altLang="en-US" dirty="0"/>
-            </a:p>
-          </p:txBody>
-        </p:sp>
-        <p:cxnSp>
-          <p:nvCxnSpPr>
-            <p:cNvPr id="51" name="직선 연결선 50">
-              <a:extLst>
-                <a:ext uri="{FF2B5EF4-FFF2-40B4-BE49-F238E27FC236}">
-                  <a16:creationId xmlns:a16="http://schemas.microsoft.com/office/drawing/2014/main" id="{A3F9478A-6BBF-430D-B033-E0E0E6F2BB13}"/>
-                </a:ext>
-              </a:extLst>
-            </p:cNvPr>
-            <p:cNvCxnSpPr/>
-            <p:nvPr/>
-          </p:nvCxnSpPr>
-          <p:spPr>
-            <a:xfrm>
-              <a:off x="7598699" y="1639394"/>
-              <a:ext cx="0" cy="2700000"/>
-            </a:xfrm>
-            <a:prstGeom prst="line">
-              <a:avLst/>
-            </a:prstGeom>
-            <a:ln w="25400">
-              <a:solidFill>
-                <a:schemeClr val="accent6">
-                  <a:lumMod val="75000"/>
-                </a:schemeClr>
-              </a:solidFill>
-            </a:ln>
-          </p:spPr>
-          <p:style>
-            <a:lnRef idx="1">
-              <a:schemeClr val="accent1"/>
-            </a:lnRef>
-            <a:fillRef idx="0">
-              <a:schemeClr val="accent1"/>
-            </a:fillRef>
-            <a:effectRef idx="0">
-              <a:schemeClr val="accent1"/>
-            </a:effectRef>
-            <a:fontRef idx="minor">
-              <a:schemeClr val="tx1"/>
-            </a:fontRef>
-          </p:style>
-        </p:cxnSp>
-        <p:cxnSp>
-          <p:nvCxnSpPr>
-            <p:cNvPr id="52" name="직선 연결선 51">
-              <a:extLst>
-                <a:ext uri="{FF2B5EF4-FFF2-40B4-BE49-F238E27FC236}">
-                  <a16:creationId xmlns:a16="http://schemas.microsoft.com/office/drawing/2014/main" id="{137011A7-07FA-4E86-9511-D8593129103C}"/>
-                </a:ext>
-              </a:extLst>
-            </p:cNvPr>
-            <p:cNvCxnSpPr/>
-            <p:nvPr/>
-          </p:nvCxnSpPr>
-          <p:spPr>
-            <a:xfrm>
-              <a:off x="9077804" y="1639394"/>
-              <a:ext cx="0" cy="2700000"/>
-            </a:xfrm>
-            <a:prstGeom prst="line">
-              <a:avLst/>
-            </a:prstGeom>
-            <a:ln w="25400">
-              <a:solidFill>
-                <a:schemeClr val="accent6">
-                  <a:lumMod val="75000"/>
-                </a:schemeClr>
-              </a:solidFill>
-            </a:ln>
-          </p:spPr>
-          <p:style>
-            <a:lnRef idx="1">
-              <a:schemeClr val="accent1"/>
-            </a:lnRef>
-            <a:fillRef idx="0">
-              <a:schemeClr val="accent1"/>
-            </a:fillRef>
-            <a:effectRef idx="0">
-              <a:schemeClr val="accent1"/>
-            </a:effectRef>
-            <a:fontRef idx="minor">
-              <a:schemeClr val="tx1"/>
-            </a:fontRef>
-          </p:style>
-        </p:cxnSp>
-        <p:cxnSp>
-          <p:nvCxnSpPr>
-            <p:cNvPr id="53" name="직선 연결선 52">
-              <a:extLst>
-                <a:ext uri="{FF2B5EF4-FFF2-40B4-BE49-F238E27FC236}">
-                  <a16:creationId xmlns:a16="http://schemas.microsoft.com/office/drawing/2014/main" id="{868A81AD-3918-45A5-A59A-60496C2EF618}"/>
-                </a:ext>
-              </a:extLst>
-            </p:cNvPr>
-            <p:cNvCxnSpPr/>
-            <p:nvPr/>
-          </p:nvCxnSpPr>
-          <p:spPr>
-            <a:xfrm>
-              <a:off x="9782139" y="1639394"/>
-              <a:ext cx="0" cy="2700000"/>
-            </a:xfrm>
-            <a:prstGeom prst="line">
-              <a:avLst/>
-            </a:prstGeom>
-            <a:ln w="25400">
-              <a:solidFill>
-                <a:schemeClr val="accent6">
-                  <a:lumMod val="75000"/>
-                </a:schemeClr>
-              </a:solidFill>
-            </a:ln>
-          </p:spPr>
-          <p:style>
-            <a:lnRef idx="1">
-              <a:schemeClr val="accent1"/>
-            </a:lnRef>
-            <a:fillRef idx="0">
-              <a:schemeClr val="accent1"/>
-            </a:fillRef>
-            <a:effectRef idx="0">
-              <a:schemeClr val="accent1"/>
-            </a:effectRef>
-            <a:fontRef idx="minor">
-              <a:schemeClr val="tx1"/>
-            </a:fontRef>
-          </p:style>
-        </p:cxnSp>
-        <p:cxnSp>
-          <p:nvCxnSpPr>
-            <p:cNvPr id="55" name="직선 연결선 54">
-              <a:extLst>
-                <a:ext uri="{FF2B5EF4-FFF2-40B4-BE49-F238E27FC236}">
-                  <a16:creationId xmlns:a16="http://schemas.microsoft.com/office/drawing/2014/main" id="{BCC3F080-E8C5-4C98-B173-EC5579235ADC}"/>
-                </a:ext>
-              </a:extLst>
-            </p:cNvPr>
-            <p:cNvCxnSpPr/>
-            <p:nvPr/>
-          </p:nvCxnSpPr>
-          <p:spPr>
-            <a:xfrm>
-              <a:off x="8345165" y="1639394"/>
-              <a:ext cx="0" cy="2700000"/>
-            </a:xfrm>
-            <a:prstGeom prst="line">
-              <a:avLst/>
-            </a:prstGeom>
-            <a:ln w="25400">
-              <a:solidFill>
-                <a:schemeClr val="accent6">
-                  <a:lumMod val="75000"/>
-                </a:schemeClr>
-              </a:solidFill>
-            </a:ln>
-          </p:spPr>
-          <p:style>
-            <a:lnRef idx="1">
-              <a:schemeClr val="accent1"/>
-            </a:lnRef>
-            <a:fillRef idx="0">
-              <a:schemeClr val="accent1"/>
-            </a:fillRef>
-            <a:effectRef idx="0">
-              <a:schemeClr val="accent1"/>
-            </a:effectRef>
-            <a:fontRef idx="minor">
-              <a:schemeClr val="tx1"/>
-            </a:fontRef>
-          </p:style>
-        </p:cxnSp>
-        <p:cxnSp>
-          <p:nvCxnSpPr>
-            <p:cNvPr id="56" name="직선 연결선 55">
-              <a:extLst>
-                <a:ext uri="{FF2B5EF4-FFF2-40B4-BE49-F238E27FC236}">
-                  <a16:creationId xmlns:a16="http://schemas.microsoft.com/office/drawing/2014/main" id="{CB558F86-0916-4835-B5ED-0DE817C788D9}"/>
-                </a:ext>
-              </a:extLst>
-            </p:cNvPr>
-            <p:cNvCxnSpPr>
-              <a:cxnSpLocks/>
-            </p:cNvCxnSpPr>
-            <p:nvPr/>
-          </p:nvCxnSpPr>
-          <p:spPr>
-            <a:xfrm>
-              <a:off x="6868376" y="2729901"/>
-              <a:ext cx="2913761" cy="0"/>
-            </a:xfrm>
-            <a:prstGeom prst="line">
-              <a:avLst/>
-            </a:prstGeom>
-            <a:ln w="25400">
-              <a:solidFill>
-                <a:schemeClr val="accent6">
-                  <a:lumMod val="75000"/>
-                </a:schemeClr>
-              </a:solidFill>
-            </a:ln>
-          </p:spPr>
-          <p:style>
-            <a:lnRef idx="1">
-              <a:schemeClr val="accent1"/>
-            </a:lnRef>
-            <a:fillRef idx="0">
-              <a:schemeClr val="accent1"/>
-            </a:fillRef>
-            <a:effectRef idx="0">
-              <a:schemeClr val="accent1"/>
-            </a:effectRef>
-            <a:fontRef idx="minor">
-              <a:schemeClr val="tx1"/>
-            </a:fontRef>
-          </p:style>
-        </p:cxnSp>
-        <p:cxnSp>
-          <p:nvCxnSpPr>
-            <p:cNvPr id="57" name="직선 연결선 56">
-              <a:extLst>
-                <a:ext uri="{FF2B5EF4-FFF2-40B4-BE49-F238E27FC236}">
-                  <a16:creationId xmlns:a16="http://schemas.microsoft.com/office/drawing/2014/main" id="{9CCFAD8E-EA19-4327-ACED-FC780AA37912}"/>
-                </a:ext>
-              </a:extLst>
-            </p:cNvPr>
-            <p:cNvCxnSpPr>
-              <a:cxnSpLocks/>
-            </p:cNvCxnSpPr>
-            <p:nvPr/>
-          </p:nvCxnSpPr>
-          <p:spPr>
-            <a:xfrm>
-              <a:off x="6868376" y="2186204"/>
-              <a:ext cx="2913761" cy="0"/>
-            </a:xfrm>
-            <a:prstGeom prst="line">
-              <a:avLst/>
-            </a:prstGeom>
-            <a:ln w="25400">
-              <a:solidFill>
-                <a:schemeClr val="accent6">
-                  <a:lumMod val="75000"/>
-                </a:schemeClr>
-              </a:solidFill>
-            </a:ln>
-          </p:spPr>
-          <p:style>
-            <a:lnRef idx="1">
-              <a:schemeClr val="accent1"/>
-            </a:lnRef>
-            <a:fillRef idx="0">
-              <a:schemeClr val="accent1"/>
-            </a:fillRef>
-            <a:effectRef idx="0">
-              <a:schemeClr val="accent1"/>
-            </a:effectRef>
-            <a:fontRef idx="minor">
-              <a:schemeClr val="tx1"/>
-            </a:fontRef>
-          </p:style>
-        </p:cxnSp>
-        <p:cxnSp>
-          <p:nvCxnSpPr>
-            <p:cNvPr id="58" name="직선 연결선 57">
-              <a:extLst>
-                <a:ext uri="{FF2B5EF4-FFF2-40B4-BE49-F238E27FC236}">
-                  <a16:creationId xmlns:a16="http://schemas.microsoft.com/office/drawing/2014/main" id="{DCF4045D-95B7-496D-83D9-911509B81A45}"/>
-                </a:ext>
-              </a:extLst>
-            </p:cNvPr>
-            <p:cNvCxnSpPr>
-              <a:cxnSpLocks/>
-            </p:cNvCxnSpPr>
-            <p:nvPr/>
-          </p:nvCxnSpPr>
-          <p:spPr>
-            <a:xfrm>
-              <a:off x="6868376" y="3285956"/>
-              <a:ext cx="2913761" cy="0"/>
-            </a:xfrm>
-            <a:prstGeom prst="line">
-              <a:avLst/>
-            </a:prstGeom>
-            <a:ln w="25400">
-              <a:solidFill>
-                <a:schemeClr val="accent6">
-                  <a:lumMod val="75000"/>
-                </a:schemeClr>
-              </a:solidFill>
-            </a:ln>
-          </p:spPr>
-          <p:style>
-            <a:lnRef idx="1">
-              <a:schemeClr val="accent1"/>
-            </a:lnRef>
-            <a:fillRef idx="0">
-              <a:schemeClr val="accent1"/>
-            </a:fillRef>
-            <a:effectRef idx="0">
-              <a:schemeClr val="accent1"/>
-            </a:effectRef>
-            <a:fontRef idx="minor">
-              <a:schemeClr val="tx1"/>
-            </a:fontRef>
-          </p:style>
-        </p:cxnSp>
-        <p:cxnSp>
-          <p:nvCxnSpPr>
-            <p:cNvPr id="59" name="직선 연결선 58">
-              <a:extLst>
-                <a:ext uri="{FF2B5EF4-FFF2-40B4-BE49-F238E27FC236}">
-                  <a16:creationId xmlns:a16="http://schemas.microsoft.com/office/drawing/2014/main" id="{EF6AEDA8-B3A3-4E1E-B45E-2811DB133E04}"/>
-                </a:ext>
-              </a:extLst>
-            </p:cNvPr>
-            <p:cNvCxnSpPr>
-              <a:cxnSpLocks/>
-            </p:cNvCxnSpPr>
-            <p:nvPr/>
-          </p:nvCxnSpPr>
-          <p:spPr>
-            <a:xfrm>
-              <a:off x="6868376" y="3835518"/>
-              <a:ext cx="2913761" cy="0"/>
-            </a:xfrm>
-            <a:prstGeom prst="line">
-              <a:avLst/>
-            </a:prstGeom>
-            <a:ln w="25400">
-              <a:solidFill>
-                <a:schemeClr val="accent6">
-                  <a:lumMod val="75000"/>
-                </a:schemeClr>
-              </a:solidFill>
-            </a:ln>
-          </p:spPr>
-          <p:style>
-            <a:lnRef idx="1">
-              <a:schemeClr val="accent1"/>
-            </a:lnRef>
-            <a:fillRef idx="0">
-              <a:schemeClr val="accent1"/>
-            </a:fillRef>
-            <a:effectRef idx="0">
-              <a:schemeClr val="accent1"/>
-            </a:effectRef>
-            <a:fontRef idx="minor">
-              <a:schemeClr val="tx1"/>
-            </a:fontRef>
-          </p:style>
-        </p:cxnSp>
-      </p:grpSp>
-      <p:grpSp>
-        <p:nvGrpSpPr>
-          <p:cNvPr id="84" name="그룹 83">
-            <a:extLst>
-              <a:ext uri="{FF2B5EF4-FFF2-40B4-BE49-F238E27FC236}">
-                <a16:creationId xmlns:a16="http://schemas.microsoft.com/office/drawing/2014/main" id="{32EACC9E-5FC5-4AE3-A957-07E66FCC2DF3}"/>
-              </a:ext>
-            </a:extLst>
-          </p:cNvPr>
-          <p:cNvGrpSpPr/>
-          <p:nvPr/>
-        </p:nvGrpSpPr>
-        <p:grpSpPr>
-          <a:xfrm rot="16200000">
-            <a:off x="8212959" y="2000921"/>
-            <a:ext cx="847628" cy="1996963"/>
-            <a:chOff x="6868376" y="1639394"/>
-            <a:chExt cx="1435345" cy="2700000"/>
-          </a:xfrm>
-        </p:grpSpPr>
-        <p:sp>
-          <p:nvSpPr>
-            <p:cNvPr id="65" name="직사각형 64">
-              <a:extLst>
-                <a:ext uri="{FF2B5EF4-FFF2-40B4-BE49-F238E27FC236}">
-                  <a16:creationId xmlns:a16="http://schemas.microsoft.com/office/drawing/2014/main" id="{660F8452-B3A7-4B56-A6C3-24DCE77FF472}"/>
-                </a:ext>
-              </a:extLst>
-            </p:cNvPr>
-            <p:cNvSpPr/>
-            <p:nvPr/>
-          </p:nvSpPr>
-          <p:spPr>
-            <a:xfrm>
-              <a:off x="6868376" y="1639394"/>
-              <a:ext cx="1435345" cy="2700000"/>
-            </a:xfrm>
-            <a:prstGeom prst="rect">
-              <a:avLst/>
-            </a:prstGeom>
-            <a:solidFill>
-              <a:schemeClr val="accent6"/>
-            </a:solidFill>
-            <a:ln w="63500">
-              <a:solidFill>
-                <a:schemeClr val="accent6">
-                  <a:lumMod val="75000"/>
-                </a:schemeClr>
-              </a:solidFill>
-            </a:ln>
-          </p:spPr>
-          <p:style>
-            <a:lnRef idx="2">
-              <a:schemeClr val="accent1">
-                <a:shade val="50000"/>
-              </a:schemeClr>
-            </a:lnRef>
-            <a:fillRef idx="1">
-              <a:schemeClr val="accent1"/>
-            </a:fillRef>
-            <a:effectRef idx="0">
-              <a:schemeClr val="accent1"/>
-            </a:effectRef>
-            <a:fontRef idx="minor">
-              <a:schemeClr val="lt1"/>
-            </a:fontRef>
-          </p:style>
-          <p:txBody>
-            <a:bodyPr rtlCol="0" anchor="ctr"/>
-            <a:lstStyle/>
-            <a:p>
-              <a:pPr algn="ctr"/>
-              <a:endParaRPr lang="ko-KR" altLang="en-US" dirty="0"/>
-            </a:p>
-          </p:txBody>
-        </p:sp>
-        <p:cxnSp>
-          <p:nvCxnSpPr>
-            <p:cNvPr id="66" name="직선 연결선 65">
-              <a:extLst>
-                <a:ext uri="{FF2B5EF4-FFF2-40B4-BE49-F238E27FC236}">
-                  <a16:creationId xmlns:a16="http://schemas.microsoft.com/office/drawing/2014/main" id="{9A820044-A219-4968-B875-4C3A7E079344}"/>
-                </a:ext>
-              </a:extLst>
-            </p:cNvPr>
-            <p:cNvCxnSpPr>
-              <a:cxnSpLocks/>
-            </p:cNvCxnSpPr>
-            <p:nvPr/>
-          </p:nvCxnSpPr>
-          <p:spPr>
-            <a:xfrm>
-              <a:off x="7598699" y="1639394"/>
-              <a:ext cx="0" cy="2700000"/>
-            </a:xfrm>
-            <a:prstGeom prst="line">
-              <a:avLst/>
-            </a:prstGeom>
-            <a:ln w="25400">
-              <a:solidFill>
-                <a:schemeClr val="accent6">
-                  <a:lumMod val="75000"/>
-                </a:schemeClr>
-              </a:solidFill>
-            </a:ln>
-          </p:spPr>
-          <p:style>
-            <a:lnRef idx="1">
-              <a:schemeClr val="accent1"/>
-            </a:lnRef>
-            <a:fillRef idx="0">
-              <a:schemeClr val="accent1"/>
-            </a:fillRef>
-            <a:effectRef idx="0">
-              <a:schemeClr val="accent1"/>
-            </a:effectRef>
-            <a:fontRef idx="minor">
-              <a:schemeClr val="tx1"/>
-            </a:fontRef>
-          </p:style>
-        </p:cxnSp>
-        <p:cxnSp>
-          <p:nvCxnSpPr>
-            <p:cNvPr id="71" name="직선 연결선 70">
-              <a:extLst>
-                <a:ext uri="{FF2B5EF4-FFF2-40B4-BE49-F238E27FC236}">
-                  <a16:creationId xmlns:a16="http://schemas.microsoft.com/office/drawing/2014/main" id="{8F3E1EFF-1934-4F0A-9CDF-66B80AA5B181}"/>
-                </a:ext>
-              </a:extLst>
-            </p:cNvPr>
-            <p:cNvCxnSpPr>
-              <a:cxnSpLocks/>
-            </p:cNvCxnSpPr>
-            <p:nvPr/>
-          </p:nvCxnSpPr>
-          <p:spPr>
-            <a:xfrm>
-              <a:off x="6868376" y="2729901"/>
-              <a:ext cx="1435345" cy="0"/>
-            </a:xfrm>
-            <a:prstGeom prst="line">
-              <a:avLst/>
-            </a:prstGeom>
-            <a:ln w="25400">
-              <a:solidFill>
-                <a:schemeClr val="accent6">
-                  <a:lumMod val="75000"/>
-                </a:schemeClr>
-              </a:solidFill>
-            </a:ln>
-          </p:spPr>
-          <p:style>
-            <a:lnRef idx="1">
-              <a:schemeClr val="accent1"/>
-            </a:lnRef>
-            <a:fillRef idx="0">
-              <a:schemeClr val="accent1"/>
-            </a:fillRef>
-            <a:effectRef idx="0">
-              <a:schemeClr val="accent1"/>
-            </a:effectRef>
-            <a:fontRef idx="minor">
-              <a:schemeClr val="tx1"/>
-            </a:fontRef>
-          </p:style>
-        </p:cxnSp>
-        <p:cxnSp>
-          <p:nvCxnSpPr>
-            <p:cNvPr id="72" name="직선 연결선 71">
-              <a:extLst>
-                <a:ext uri="{FF2B5EF4-FFF2-40B4-BE49-F238E27FC236}">
-                  <a16:creationId xmlns:a16="http://schemas.microsoft.com/office/drawing/2014/main" id="{5CB56AA8-A0E2-403F-B62C-80908A198AAD}"/>
-                </a:ext>
-              </a:extLst>
-            </p:cNvPr>
-            <p:cNvCxnSpPr>
-              <a:cxnSpLocks/>
-            </p:cNvCxnSpPr>
-            <p:nvPr/>
-          </p:nvCxnSpPr>
-          <p:spPr>
-            <a:xfrm>
-              <a:off x="6868376" y="2186204"/>
-              <a:ext cx="1435345" cy="0"/>
-            </a:xfrm>
-            <a:prstGeom prst="line">
-              <a:avLst/>
-            </a:prstGeom>
-            <a:ln w="25400">
-              <a:solidFill>
-                <a:schemeClr val="accent6">
-                  <a:lumMod val="75000"/>
-                </a:schemeClr>
-              </a:solidFill>
-            </a:ln>
-          </p:spPr>
-          <p:style>
-            <a:lnRef idx="1">
-              <a:schemeClr val="accent1"/>
-            </a:lnRef>
-            <a:fillRef idx="0">
-              <a:schemeClr val="accent1"/>
-            </a:fillRef>
-            <a:effectRef idx="0">
-              <a:schemeClr val="accent1"/>
-            </a:effectRef>
-            <a:fontRef idx="minor">
-              <a:schemeClr val="tx1"/>
-            </a:fontRef>
-          </p:style>
-        </p:cxnSp>
-        <p:cxnSp>
-          <p:nvCxnSpPr>
-            <p:cNvPr id="73" name="직선 연결선 72">
-              <a:extLst>
-                <a:ext uri="{FF2B5EF4-FFF2-40B4-BE49-F238E27FC236}">
-                  <a16:creationId xmlns:a16="http://schemas.microsoft.com/office/drawing/2014/main" id="{B5FCFE17-20E8-4C7C-BD76-7D0D351BD6A1}"/>
-                </a:ext>
-              </a:extLst>
-            </p:cNvPr>
-            <p:cNvCxnSpPr>
-              <a:cxnSpLocks/>
-            </p:cNvCxnSpPr>
-            <p:nvPr/>
-          </p:nvCxnSpPr>
-          <p:spPr>
-            <a:xfrm>
-              <a:off x="6868376" y="3285956"/>
-              <a:ext cx="1435345" cy="0"/>
-            </a:xfrm>
-            <a:prstGeom prst="line">
-              <a:avLst/>
-            </a:prstGeom>
-            <a:ln w="25400">
-              <a:solidFill>
-                <a:schemeClr val="accent6">
-                  <a:lumMod val="75000"/>
-                </a:schemeClr>
-              </a:solidFill>
-            </a:ln>
-          </p:spPr>
-          <p:style>
-            <a:lnRef idx="1">
-              <a:schemeClr val="accent1"/>
-            </a:lnRef>
-            <a:fillRef idx="0">
-              <a:schemeClr val="accent1"/>
-            </a:fillRef>
-            <a:effectRef idx="0">
-              <a:schemeClr val="accent1"/>
-            </a:effectRef>
-            <a:fontRef idx="minor">
-              <a:schemeClr val="tx1"/>
-            </a:fontRef>
-          </p:style>
-        </p:cxnSp>
-        <p:cxnSp>
-          <p:nvCxnSpPr>
-            <p:cNvPr id="74" name="직선 연결선 73">
-              <a:extLst>
-                <a:ext uri="{FF2B5EF4-FFF2-40B4-BE49-F238E27FC236}">
-                  <a16:creationId xmlns:a16="http://schemas.microsoft.com/office/drawing/2014/main" id="{12078B4B-9E3D-4A80-A9A9-4EAD82282CA6}"/>
-                </a:ext>
-              </a:extLst>
-            </p:cNvPr>
-            <p:cNvCxnSpPr>
-              <a:cxnSpLocks/>
-            </p:cNvCxnSpPr>
-            <p:nvPr/>
-          </p:nvCxnSpPr>
-          <p:spPr>
-            <a:xfrm>
-              <a:off x="6868376" y="3835518"/>
-              <a:ext cx="1435345" cy="0"/>
-            </a:xfrm>
-            <a:prstGeom prst="line">
-              <a:avLst/>
-            </a:prstGeom>
-            <a:ln w="25400">
-              <a:solidFill>
-                <a:schemeClr val="accent6">
-                  <a:lumMod val="75000"/>
-                </a:schemeClr>
-              </a:solidFill>
-            </a:ln>
-          </p:spPr>
-          <p:style>
-            <a:lnRef idx="1">
-              <a:schemeClr val="accent1"/>
-            </a:lnRef>
-            <a:fillRef idx="0">
-              <a:schemeClr val="accent1"/>
-            </a:fillRef>
-            <a:effectRef idx="0">
-              <a:schemeClr val="accent1"/>
-            </a:effectRef>
-            <a:fontRef idx="minor">
-              <a:schemeClr val="tx1"/>
-            </a:fontRef>
-          </p:style>
-        </p:cxnSp>
-      </p:grpSp>
-      <p:grpSp>
-        <p:nvGrpSpPr>
-          <p:cNvPr id="85" name="그룹 84">
-            <a:extLst>
-              <a:ext uri="{FF2B5EF4-FFF2-40B4-BE49-F238E27FC236}">
-                <a16:creationId xmlns:a16="http://schemas.microsoft.com/office/drawing/2014/main" id="{0D2C6274-EB44-4934-8E87-230AC2476957}"/>
-              </a:ext>
-            </a:extLst>
-          </p:cNvPr>
-          <p:cNvGrpSpPr/>
-          <p:nvPr/>
-        </p:nvGrpSpPr>
-        <p:grpSpPr>
-          <a:xfrm rot="16200000">
-            <a:off x="8212960" y="5142428"/>
-            <a:ext cx="847628" cy="1996963"/>
-            <a:chOff x="6868376" y="1639394"/>
-            <a:chExt cx="1435345" cy="2700000"/>
-          </a:xfrm>
-        </p:grpSpPr>
-        <p:sp>
-          <p:nvSpPr>
-            <p:cNvPr id="86" name="직사각형 85">
-              <a:extLst>
-                <a:ext uri="{FF2B5EF4-FFF2-40B4-BE49-F238E27FC236}">
-                  <a16:creationId xmlns:a16="http://schemas.microsoft.com/office/drawing/2014/main" id="{044F479A-7D9E-4A40-90B7-5FF2F94BC463}"/>
-                </a:ext>
-              </a:extLst>
-            </p:cNvPr>
-            <p:cNvSpPr/>
-            <p:nvPr/>
-          </p:nvSpPr>
-          <p:spPr>
-            <a:xfrm>
-              <a:off x="6868376" y="1639394"/>
-              <a:ext cx="1435345" cy="2700000"/>
-            </a:xfrm>
-            <a:prstGeom prst="rect">
-              <a:avLst/>
-            </a:prstGeom>
-            <a:solidFill>
-              <a:schemeClr val="accent6"/>
-            </a:solidFill>
-            <a:ln w="63500">
-              <a:solidFill>
-                <a:schemeClr val="accent6">
-                  <a:lumMod val="75000"/>
-                </a:schemeClr>
-              </a:solidFill>
-            </a:ln>
-          </p:spPr>
-          <p:style>
-            <a:lnRef idx="2">
-              <a:schemeClr val="accent1">
-                <a:shade val="50000"/>
-              </a:schemeClr>
-            </a:lnRef>
-            <a:fillRef idx="1">
-              <a:schemeClr val="accent1"/>
-            </a:fillRef>
-            <a:effectRef idx="0">
-              <a:schemeClr val="accent1"/>
-            </a:effectRef>
-            <a:fontRef idx="minor">
-              <a:schemeClr val="lt1"/>
-            </a:fontRef>
-          </p:style>
-          <p:txBody>
-            <a:bodyPr rtlCol="0" anchor="ctr"/>
-            <a:lstStyle/>
-            <a:p>
-              <a:pPr algn="ctr"/>
-              <a:endParaRPr lang="ko-KR" altLang="en-US" dirty="0"/>
-            </a:p>
-          </p:txBody>
-        </p:sp>
-        <p:cxnSp>
-          <p:nvCxnSpPr>
-            <p:cNvPr id="87" name="직선 연결선 86">
-              <a:extLst>
-                <a:ext uri="{FF2B5EF4-FFF2-40B4-BE49-F238E27FC236}">
-                  <a16:creationId xmlns:a16="http://schemas.microsoft.com/office/drawing/2014/main" id="{8584EA89-5C5D-4C81-82F3-0472632B146B}"/>
-                </a:ext>
-              </a:extLst>
-            </p:cNvPr>
-            <p:cNvCxnSpPr>
-              <a:cxnSpLocks/>
-            </p:cNvCxnSpPr>
-            <p:nvPr/>
-          </p:nvCxnSpPr>
-          <p:spPr>
-            <a:xfrm>
-              <a:off x="7598699" y="1639394"/>
-              <a:ext cx="0" cy="2700000"/>
-            </a:xfrm>
-            <a:prstGeom prst="line">
-              <a:avLst/>
-            </a:prstGeom>
-            <a:ln w="25400">
-              <a:solidFill>
-                <a:schemeClr val="accent6">
-                  <a:lumMod val="75000"/>
-                </a:schemeClr>
-              </a:solidFill>
-            </a:ln>
-          </p:spPr>
-          <p:style>
-            <a:lnRef idx="1">
-              <a:schemeClr val="accent1"/>
-            </a:lnRef>
-            <a:fillRef idx="0">
-              <a:schemeClr val="accent1"/>
-            </a:fillRef>
-            <a:effectRef idx="0">
-              <a:schemeClr val="accent1"/>
-            </a:effectRef>
-            <a:fontRef idx="minor">
-              <a:schemeClr val="tx1"/>
-            </a:fontRef>
-          </p:style>
-        </p:cxnSp>
-        <p:cxnSp>
-          <p:nvCxnSpPr>
-            <p:cNvPr id="88" name="직선 연결선 87">
-              <a:extLst>
-                <a:ext uri="{FF2B5EF4-FFF2-40B4-BE49-F238E27FC236}">
-                  <a16:creationId xmlns:a16="http://schemas.microsoft.com/office/drawing/2014/main" id="{05F765CF-47DA-483E-9D1D-A69F428EA85C}"/>
-                </a:ext>
-              </a:extLst>
-            </p:cNvPr>
-            <p:cNvCxnSpPr>
-              <a:cxnSpLocks/>
-            </p:cNvCxnSpPr>
-            <p:nvPr/>
-          </p:nvCxnSpPr>
-          <p:spPr>
-            <a:xfrm>
-              <a:off x="6868376" y="2729901"/>
-              <a:ext cx="1435345" cy="0"/>
-            </a:xfrm>
-            <a:prstGeom prst="line">
-              <a:avLst/>
-            </a:prstGeom>
-            <a:ln w="25400">
-              <a:solidFill>
-                <a:schemeClr val="accent6">
-                  <a:lumMod val="75000"/>
-                </a:schemeClr>
-              </a:solidFill>
-            </a:ln>
-          </p:spPr>
-          <p:style>
-            <a:lnRef idx="1">
-              <a:schemeClr val="accent1"/>
-            </a:lnRef>
-            <a:fillRef idx="0">
-              <a:schemeClr val="accent1"/>
-            </a:fillRef>
-            <a:effectRef idx="0">
-              <a:schemeClr val="accent1"/>
-            </a:effectRef>
-            <a:fontRef idx="minor">
-              <a:schemeClr val="tx1"/>
-            </a:fontRef>
-          </p:style>
-        </p:cxnSp>
-        <p:cxnSp>
-          <p:nvCxnSpPr>
-            <p:cNvPr id="89" name="직선 연결선 88">
-              <a:extLst>
-                <a:ext uri="{FF2B5EF4-FFF2-40B4-BE49-F238E27FC236}">
-                  <a16:creationId xmlns:a16="http://schemas.microsoft.com/office/drawing/2014/main" id="{1465D9E0-16C0-42ED-8813-077C28D4A91D}"/>
-                </a:ext>
-              </a:extLst>
-            </p:cNvPr>
-            <p:cNvCxnSpPr>
-              <a:cxnSpLocks/>
-            </p:cNvCxnSpPr>
-            <p:nvPr/>
-          </p:nvCxnSpPr>
-          <p:spPr>
-            <a:xfrm>
-              <a:off x="6868376" y="2186204"/>
-              <a:ext cx="1435345" cy="0"/>
-            </a:xfrm>
-            <a:prstGeom prst="line">
-              <a:avLst/>
-            </a:prstGeom>
-            <a:ln w="25400">
-              <a:solidFill>
-                <a:schemeClr val="accent6">
-                  <a:lumMod val="75000"/>
-                </a:schemeClr>
-              </a:solidFill>
-            </a:ln>
-          </p:spPr>
-          <p:style>
-            <a:lnRef idx="1">
-              <a:schemeClr val="accent1"/>
-            </a:lnRef>
-            <a:fillRef idx="0">
-              <a:schemeClr val="accent1"/>
-            </a:fillRef>
-            <a:effectRef idx="0">
-              <a:schemeClr val="accent1"/>
-            </a:effectRef>
-            <a:fontRef idx="minor">
-              <a:schemeClr val="tx1"/>
-            </a:fontRef>
-          </p:style>
-        </p:cxnSp>
-        <p:cxnSp>
-          <p:nvCxnSpPr>
-            <p:cNvPr id="90" name="직선 연결선 89">
-              <a:extLst>
-                <a:ext uri="{FF2B5EF4-FFF2-40B4-BE49-F238E27FC236}">
-                  <a16:creationId xmlns:a16="http://schemas.microsoft.com/office/drawing/2014/main" id="{CC40D4B0-DED9-4E04-9911-5863351F613E}"/>
-                </a:ext>
-              </a:extLst>
-            </p:cNvPr>
-            <p:cNvCxnSpPr>
-              <a:cxnSpLocks/>
-            </p:cNvCxnSpPr>
-            <p:nvPr/>
-          </p:nvCxnSpPr>
-          <p:spPr>
-            <a:xfrm>
-              <a:off x="6868376" y="3285956"/>
-              <a:ext cx="1435345" cy="0"/>
-            </a:xfrm>
-            <a:prstGeom prst="line">
-              <a:avLst/>
-            </a:prstGeom>
-            <a:ln w="25400">
-              <a:solidFill>
-                <a:schemeClr val="accent6">
-                  <a:lumMod val="75000"/>
-                </a:schemeClr>
-              </a:solidFill>
-            </a:ln>
-          </p:spPr>
-          <p:style>
-            <a:lnRef idx="1">
-              <a:schemeClr val="accent1"/>
-            </a:lnRef>
-            <a:fillRef idx="0">
-              <a:schemeClr val="accent1"/>
-            </a:fillRef>
-            <a:effectRef idx="0">
-              <a:schemeClr val="accent1"/>
-            </a:effectRef>
-            <a:fontRef idx="minor">
-              <a:schemeClr val="tx1"/>
-            </a:fontRef>
-          </p:style>
-        </p:cxnSp>
-        <p:cxnSp>
-          <p:nvCxnSpPr>
-            <p:cNvPr id="91" name="직선 연결선 90">
-              <a:extLst>
-                <a:ext uri="{FF2B5EF4-FFF2-40B4-BE49-F238E27FC236}">
-                  <a16:creationId xmlns:a16="http://schemas.microsoft.com/office/drawing/2014/main" id="{B1826BAC-7776-41BE-A877-E97978D5DCEE}"/>
-                </a:ext>
-              </a:extLst>
-            </p:cNvPr>
-            <p:cNvCxnSpPr>
-              <a:cxnSpLocks/>
-            </p:cNvCxnSpPr>
-            <p:nvPr/>
-          </p:nvCxnSpPr>
-          <p:spPr>
-            <a:xfrm>
-              <a:off x="6868376" y="3835518"/>
-              <a:ext cx="1435345" cy="0"/>
-            </a:xfrm>
-            <a:prstGeom prst="line">
-              <a:avLst/>
-            </a:prstGeom>
-            <a:ln w="25400">
-              <a:solidFill>
-                <a:schemeClr val="accent6">
-                  <a:lumMod val="75000"/>
-                </a:schemeClr>
-              </a:solidFill>
-            </a:ln>
-          </p:spPr>
-          <p:style>
-            <a:lnRef idx="1">
-              <a:schemeClr val="accent1"/>
-            </a:lnRef>
-            <a:fillRef idx="0">
-              <a:schemeClr val="accent1"/>
-            </a:fillRef>
-            <a:effectRef idx="0">
-              <a:schemeClr val="accent1"/>
-            </a:effectRef>
-            <a:fontRef idx="minor">
-              <a:schemeClr val="tx1"/>
-            </a:fontRef>
-          </p:style>
-        </p:cxnSp>
-      </p:grpSp>
-      <p:sp>
-        <p:nvSpPr>
-          <p:cNvPr id="93" name="화살표: 오른쪽 92">
-            <a:extLst>
-              <a:ext uri="{FF2B5EF4-FFF2-40B4-BE49-F238E27FC236}">
-                <a16:creationId xmlns:a16="http://schemas.microsoft.com/office/drawing/2014/main" id="{08D5120A-1591-4F5E-A470-B3763A648248}"/>
-              </a:ext>
-            </a:extLst>
-          </p:cNvPr>
-          <p:cNvSpPr/>
-          <p:nvPr/>
-        </p:nvSpPr>
-        <p:spPr>
-          <a:xfrm rot="16200000">
-            <a:off x="9574234" y="1769883"/>
-            <a:ext cx="820362" cy="362840"/>
-          </a:xfrm>
-          <a:prstGeom prst="rightArrow">
-            <a:avLst>
-              <a:gd name="adj1" fmla="val 36378"/>
-              <a:gd name="adj2" fmla="val 50000"/>
-            </a:avLst>
-          </a:prstGeom>
-          <a:solidFill>
-            <a:srgbClr val="C00000"/>
-          </a:solidFill>
-          <a:ln>
-            <a:noFill/>
-          </a:ln>
-        </p:spPr>
-        <p:style>
-          <a:lnRef idx="2">
-            <a:schemeClr val="accent1">
-              <a:shade val="50000"/>
-            </a:schemeClr>
-          </a:lnRef>
-          <a:fillRef idx="1">
-            <a:schemeClr val="accent1"/>
-          </a:fillRef>
-          <a:effectRef idx="0">
-            <a:schemeClr val="accent1"/>
-          </a:effectRef>
-          <a:fontRef idx="minor">
-            <a:schemeClr val="lt1"/>
-          </a:fontRef>
-        </p:style>
-        <p:txBody>
-          <a:bodyPr rtlCol="0" anchor="ctr"/>
-          <a:lstStyle/>
-          <a:p>
-            <a:pPr algn="ctr"/>
-            <a:endParaRPr lang="ko-KR" altLang="en-US"/>
-          </a:p>
-        </p:txBody>
-      </p:sp>
-      <p:sp>
-        <p:nvSpPr>
-          <p:cNvPr id="94" name="화살표: 오른쪽 93">
-            <a:extLst>
-              <a:ext uri="{FF2B5EF4-FFF2-40B4-BE49-F238E27FC236}">
-                <a16:creationId xmlns:a16="http://schemas.microsoft.com/office/drawing/2014/main" id="{02876D94-0F39-4FFC-9396-E66E4D3491DF}"/>
-              </a:ext>
-            </a:extLst>
-          </p:cNvPr>
-          <p:cNvSpPr/>
-          <p:nvPr/>
-        </p:nvSpPr>
-        <p:spPr>
-          <a:xfrm rot="16200000">
-            <a:off x="9574231" y="4916311"/>
-            <a:ext cx="820362" cy="362840"/>
-          </a:xfrm>
-          <a:prstGeom prst="rightArrow">
-            <a:avLst>
-              <a:gd name="adj1" fmla="val 36378"/>
-              <a:gd name="adj2" fmla="val 50000"/>
-            </a:avLst>
-          </a:prstGeom>
-          <a:solidFill>
-            <a:srgbClr val="C00000"/>
-          </a:solidFill>
-          <a:ln>
-            <a:noFill/>
-          </a:ln>
-        </p:spPr>
-        <p:style>
-          <a:lnRef idx="2">
-            <a:schemeClr val="accent1">
-              <a:shade val="50000"/>
-            </a:schemeClr>
-          </a:lnRef>
-          <a:fillRef idx="1">
-            <a:schemeClr val="accent1"/>
-          </a:fillRef>
-          <a:effectRef idx="0">
-            <a:schemeClr val="accent1"/>
-          </a:effectRef>
-          <a:fontRef idx="minor">
-            <a:schemeClr val="lt1"/>
-          </a:fontRef>
-        </p:style>
-        <p:txBody>
-          <a:bodyPr rtlCol="0" anchor="ctr"/>
-          <a:lstStyle/>
-          <a:p>
-            <a:pPr algn="ctr"/>
-            <a:endParaRPr lang="ko-KR" altLang="en-US"/>
-          </a:p>
-        </p:txBody>
-      </p:sp>
-      <p:sp>
-        <p:nvSpPr>
-          <p:cNvPr id="102" name="타원 101">
-            <a:extLst>
-              <a:ext uri="{FF2B5EF4-FFF2-40B4-BE49-F238E27FC236}">
-                <a16:creationId xmlns:a16="http://schemas.microsoft.com/office/drawing/2014/main" id="{A3F0888F-CECA-40F8-AB17-43CE2AA52C42}"/>
-              </a:ext>
-            </a:extLst>
-          </p:cNvPr>
-          <p:cNvSpPr/>
-          <p:nvPr/>
-        </p:nvSpPr>
-        <p:spPr>
-          <a:xfrm>
-            <a:off x="8555364" y="5153938"/>
-            <a:ext cx="233778" cy="226046"/>
-          </a:xfrm>
-          <a:prstGeom prst="ellipse">
-            <a:avLst/>
-          </a:prstGeom>
-          <a:solidFill>
-            <a:schemeClr val="accent4"/>
-          </a:solidFill>
-        </p:spPr>
-        <p:style>
-          <a:lnRef idx="2">
-            <a:schemeClr val="accent1">
-              <a:shade val="50000"/>
-            </a:schemeClr>
-          </a:lnRef>
-          <a:fillRef idx="1">
-            <a:schemeClr val="accent1"/>
-          </a:fillRef>
-          <a:effectRef idx="0">
-            <a:schemeClr val="accent1"/>
-          </a:effectRef>
-          <a:fontRef idx="minor">
-            <a:schemeClr val="lt1"/>
-          </a:fontRef>
-        </p:style>
-        <p:txBody>
-          <a:bodyPr rtlCol="0" anchor="ctr"/>
-          <a:lstStyle/>
-          <a:p>
-            <a:pPr algn="ctr"/>
-            <a:endParaRPr lang="ko-KR" altLang="en-US"/>
-          </a:p>
-        </p:txBody>
-      </p:sp>
-    </p:spTree>
-    <p:extLst>
-      <p:ext uri="{BB962C8B-B14F-4D97-AF65-F5344CB8AC3E}">
-        <p14:creationId xmlns:p14="http://schemas.microsoft.com/office/powerpoint/2010/main" val="424710603"/>
-      </p:ext>
-    </p:extLst>
-  </p:cSld>
-  <p:clrMapOvr>
-    <a:masterClrMapping/>
-  </p:clrMapOvr>
-  <p:timing>
-    <p:tnLst>
-      <p:par>
-        <p:cTn id="1" dur="indefinite" restart="never" nodeType="tmRoot">
-          <p:childTnLst>
-            <p:seq concurrent="1" nextAc="seek">
-              <p:cTn id="2" dur="indefinite" nodeType="mainSeq">
-                <p:childTnLst>
-                  <p:par>
-                    <p:cTn id="3" fill="hold">
-                      <p:stCondLst>
-                        <p:cond delay="indefinite"/>
-                      </p:stCondLst>
-                      <p:childTnLst>
-                        <p:par>
-                          <p:cTn id="4" fill="hold">
-                            <p:stCondLst>
-                              <p:cond delay="0"/>
-                            </p:stCondLst>
-                            <p:childTnLst>
-                              <p:par>
-                                <p:cTn id="5" presetID="1" presetClass="entr" presetSubtype="0" fill="hold" grpId="0" nodeType="clickEffect">
-                                  <p:stCondLst>
-                                    <p:cond delay="0"/>
-                                  </p:stCondLst>
-                                  <p:childTnLst>
-                                    <p:set>
-                                      <p:cBhvr>
-                                        <p:cTn id="6" dur="1" fill="hold">
-                                          <p:stCondLst>
-                                            <p:cond delay="0"/>
-                                          </p:stCondLst>
-                                        </p:cTn>
-                                        <p:tgtEl>
-                                          <p:spTgt spid="14"/>
-                                        </p:tgtEl>
-                                        <p:attrNameLst>
-                                          <p:attrName>style.visibility</p:attrName>
-                                        </p:attrNameLst>
-                                      </p:cBhvr>
-                                      <p:to>
-                                        <p:strVal val="visible"/>
-                                      </p:to>
-                                    </p:set>
-                                  </p:childTnLst>
-                                </p:cTn>
-                              </p:par>
-                            </p:childTnLst>
-                          </p:cTn>
-                        </p:par>
-                      </p:childTnLst>
-                    </p:cTn>
-                  </p:par>
-                  <p:par>
-                    <p:cTn id="7" fill="hold">
-                      <p:stCondLst>
-                        <p:cond delay="indefinite"/>
-                      </p:stCondLst>
-                      <p:childTnLst>
-                        <p:par>
-                          <p:cTn id="8" fill="hold">
-                            <p:stCondLst>
-                              <p:cond delay="0"/>
-                            </p:stCondLst>
-                            <p:childTnLst>
-                              <p:par>
-                                <p:cTn id="9" presetID="64" presetClass="path" presetSubtype="0" accel="50000" decel="50000" fill="hold" grpId="0" nodeType="clickEffect">
-                                  <p:stCondLst>
-                                    <p:cond delay="0"/>
-                                  </p:stCondLst>
-                                  <p:childTnLst>
-                                    <p:animMotion origin="layout" path="M 2.08333E-6 4.44444E-6 L 2.08333E-6 -0.36806 " pathEditMode="relative" rAng="0" ptsTypes="AA">
-                                      <p:cBhvr>
-                                        <p:cTn id="10" dur="2000" fill="hold"/>
-                                        <p:tgtEl>
-                                          <p:spTgt spid="102"/>
-                                        </p:tgtEl>
-                                        <p:attrNameLst>
-                                          <p:attrName>ppt_x</p:attrName>
-                                          <p:attrName>ppt_y</p:attrName>
-                                        </p:attrNameLst>
-                                      </p:cBhvr>
-                                      <p:rCtr x="0" y="-18403"/>
-                                    </p:animMotion>
-                                  </p:childTnLst>
-                                </p:cTn>
-                              </p:par>
-                            </p:childTnLst>
-                          </p:cTn>
-                        </p:par>
-                      </p:childTnLst>
-                    </p:cTn>
-                  </p:par>
-                  <p:par>
-                    <p:cTn id="11" fill="hold">
-                      <p:stCondLst>
-                        <p:cond delay="indefinite"/>
-                      </p:stCondLst>
-                      <p:childTnLst>
-                        <p:par>
-                          <p:cTn id="12" fill="hold">
-                            <p:stCondLst>
-                              <p:cond delay="0"/>
-                            </p:stCondLst>
-                            <p:childTnLst>
-                              <p:par>
-                                <p:cTn id="13" presetID="64" presetClass="path" presetSubtype="0" accel="50000" decel="50000" fill="hold" nodeType="clickEffect">
-                                  <p:stCondLst>
-                                    <p:cond delay="0"/>
-                                  </p:stCondLst>
-                                  <p:childTnLst>
-                                    <p:animMotion origin="layout" path="M -3.33333E-6 7.40741E-7 L -3.33333E-6 -0.46945 " pathEditMode="relative" rAng="0" ptsTypes="AA">
-                                      <p:cBhvr>
-                                        <p:cTn id="14" dur="2000" fill="hold"/>
-                                        <p:tgtEl>
-                                          <p:spTgt spid="64"/>
-                                        </p:tgtEl>
-                                        <p:attrNameLst>
-                                          <p:attrName>ppt_x</p:attrName>
-                                          <p:attrName>ppt_y</p:attrName>
-                                        </p:attrNameLst>
-                                      </p:cBhvr>
-                                      <p:rCtr x="0" y="-23472"/>
-                                    </p:animMotion>
-                                  </p:childTnLst>
-                                </p:cTn>
-                              </p:par>
-                            </p:childTnLst>
-                          </p:cTn>
-                        </p:par>
-                      </p:childTnLst>
-                    </p:cTn>
-                  </p:par>
-                </p:childTnLst>
-              </p:cTn>
-              <p:prevCondLst>
-                <p:cond evt="onPrev" delay="0">
-                  <p:tgtEl>
-                    <p:sldTgt/>
-                  </p:tgtEl>
-                </p:cond>
-              </p:prevCondLst>
-              <p:nextCondLst>
-                <p:cond evt="onNext" delay="0">
-                  <p:tgtEl>
-                    <p:sldTgt/>
-                  </p:tgtEl>
-                </p:cond>
-              </p:nextCondLst>
-            </p:seq>
-          </p:childTnLst>
-        </p:cTn>
-      </p:par>
-    </p:tnLst>
-    <p:bldLst>
-      <p:bldP spid="14" grpId="0" animBg="1"/>
-      <p:bldP spid="102" grpId="0" animBg="1"/>
-    </p:bldLst>
-  </p:timing>
 </p:sld>
 </file>
 
